--- a/PB/Projektarbeit Bundesregierung 2022/Arbeitsauftrag, Vorlagen/3.11_Vorlage Präsentation Bundesministerien.pptx
+++ b/PB/Projektarbeit Bundesregierung 2022/Arbeitsauftrag, Vorlagen/3.11_Vorlage Präsentation Bundesministerien.pptx
@@ -2,16 +2,19 @@
 <file path=ppt/presentation.xml><?xml version="1.0" encoding="utf-8"?>
 <p:presentation xmlns:a="http://schemas.openxmlformats.org/drawingml/2006/main" xmlns:r="http://schemas.openxmlformats.org/officeDocument/2006/relationships" xmlns:p="http://schemas.openxmlformats.org/presentationml/2006/main" saveSubsetFonts="1">
   <p:sldMasterIdLst>
-    <p:sldMasterId id="2147483830" r:id="rId1"/>
+    <p:sldMasterId id="2147483847" r:id="rId4"/>
   </p:sldMasterIdLst>
   <p:notesMasterIdLst>
-    <p:notesMasterId r:id="rId6"/>
+    <p:notesMasterId r:id="rId12"/>
   </p:notesMasterIdLst>
   <p:sldIdLst>
-    <p:sldId id="256" r:id="rId2"/>
-    <p:sldId id="300" r:id="rId3"/>
-    <p:sldId id="301" r:id="rId4"/>
-    <p:sldId id="367" r:id="rId5"/>
+    <p:sldId id="256" r:id="rId5"/>
+    <p:sldId id="257" r:id="rId6"/>
+    <p:sldId id="258" r:id="rId7"/>
+    <p:sldId id="259" r:id="rId8"/>
+    <p:sldId id="260" r:id="rId9"/>
+    <p:sldId id="261" r:id="rId10"/>
+    <p:sldId id="262" r:id="rId11"/>
   </p:sldIdLst>
   <p:sldSz cx="9144000" cy="6858000" type="screen4x3"/>
   <p:notesSz cx="6858000" cy="9144000"/>
@@ -200,7 +203,7 @@
           <a:p>
             <a:fld id="{DC57C5F1-E181-44EA-94C9-81368CB5C272}" type="datetimeFigureOut">
               <a:rPr lang="de-DE" smtClean="0"/>
-              <a:t>27.03.2022</a:t>
+              <a:t>28.03.2022</a:t>
             </a:fld>
             <a:endParaRPr lang="de-DE"/>
           </a:p>
@@ -358,7 +361,7 @@
           <a:p>
             <a:fld id="{687BE6AF-67D2-41DF-BCAB-DF79696E1F4F}" type="slidenum">
               <a:rPr lang="de-DE" smtClean="0"/>
-              <a:t>‹Nr.›</a:t>
+              <a:t>‹#›</a:t>
             </a:fld>
             <a:endParaRPr lang="de-DE"/>
           </a:p>
@@ -467,96 +470,9 @@
 </p:notesMaster>
 </file>
 
-<file path=ppt/notesSlides/notesSlide1.xml><?xml version="1.0" encoding="utf-8"?>
-<p:notes xmlns:a="http://schemas.openxmlformats.org/drawingml/2006/main" xmlns:r="http://schemas.openxmlformats.org/officeDocument/2006/relationships" xmlns:p="http://schemas.openxmlformats.org/presentationml/2006/main">
-  <p:cSld>
-    <p:spTree>
-      <p:nvGrpSpPr>
-        <p:cNvPr id="1" name=""/>
-        <p:cNvGrpSpPr/>
-        <p:nvPr/>
-      </p:nvGrpSpPr>
-      <p:grpSpPr>
-        <a:xfrm>
-          <a:off x="0" y="0"/>
-          <a:ext cx="0" cy="0"/>
-          <a:chOff x="0" y="0"/>
-          <a:chExt cx="0" cy="0"/>
-        </a:xfrm>
-      </p:grpSpPr>
-      <p:sp>
-        <p:nvSpPr>
-          <p:cNvPr id="2" name="Folienbildplatzhalter 1"/>
-          <p:cNvSpPr>
-            <a:spLocks noGrp="1" noRot="1" noChangeAspect="1"/>
-          </p:cNvSpPr>
-          <p:nvPr>
-            <p:ph type="sldImg"/>
-          </p:nvPr>
-        </p:nvSpPr>
-        <p:spPr/>
-      </p:sp>
-      <p:sp>
-        <p:nvSpPr>
-          <p:cNvPr id="3" name="Notizenplatzhalter 2"/>
-          <p:cNvSpPr>
-            <a:spLocks noGrp="1"/>
-          </p:cNvSpPr>
-          <p:nvPr>
-            <p:ph type="body" idx="1"/>
-          </p:nvPr>
-        </p:nvSpPr>
-        <p:spPr/>
-        <p:txBody>
-          <a:bodyPr/>
-          <a:lstStyle/>
-          <a:p>
-            <a:r>
-              <a:rPr lang="de-DE" dirty="0"/>
-              <a:t>Start Gruppe 4</a:t>
-            </a:r>
-          </a:p>
-        </p:txBody>
-      </p:sp>
-      <p:sp>
-        <p:nvSpPr>
-          <p:cNvPr id="4" name="Foliennummernplatzhalter 3"/>
-          <p:cNvSpPr>
-            <a:spLocks noGrp="1"/>
-          </p:cNvSpPr>
-          <p:nvPr>
-            <p:ph type="sldNum" sz="quarter" idx="10"/>
-          </p:nvPr>
-        </p:nvSpPr>
-        <p:spPr/>
-        <p:txBody>
-          <a:bodyPr/>
-          <a:lstStyle/>
-          <a:p>
-            <a:fld id="{687BE6AF-67D2-41DF-BCAB-DF79696E1F4F}" type="slidenum">
-              <a:rPr lang="de-DE" smtClean="0"/>
-              <a:t>2</a:t>
-            </a:fld>
-            <a:endParaRPr lang="de-DE"/>
-          </a:p>
-        </p:txBody>
-      </p:sp>
-    </p:spTree>
-    <p:extLst>
-      <p:ext uri="{BB962C8B-B14F-4D97-AF65-F5344CB8AC3E}">
-        <p14:creationId xmlns:p14="http://schemas.microsoft.com/office/powerpoint/2010/main" val="2553637179"/>
-      </p:ext>
-    </p:extLst>
-  </p:cSld>
-  <p:clrMapOvr>
-    <a:masterClrMapping/>
-  </p:clrMapOvr>
-</p:notes>
-</file>
-
 <file path=ppt/slideLayouts/slideLayout1.xml><?xml version="1.0" encoding="utf-8"?>
 <p:sldLayout xmlns:a="http://schemas.openxmlformats.org/drawingml/2006/main" xmlns:r="http://schemas.openxmlformats.org/officeDocument/2006/relationships" xmlns:p="http://schemas.openxmlformats.org/presentationml/2006/main" showMasterSp="0" type="title" preserve="1">
-  <p:cSld name="Titelfolie">
+  <p:cSld name="Title Slide">
     <p:spTree>
       <p:nvGrpSpPr>
         <p:cNvPr id="1" name=""/>
@@ -580,14 +496,14 @@
         <p:grpSpPr>
           <a:xfrm>
             <a:off x="-8466" y="-8468"/>
-            <a:ext cx="9171316" cy="6874935"/>
+            <a:ext cx="9169804" cy="6874935"/>
             <a:chOff x="-8466" y="-8468"/>
-            <a:chExt cx="9171316" cy="6874935"/>
+            <a:chExt cx="9169804" cy="6874935"/>
           </a:xfrm>
         </p:grpSpPr>
         <p:cxnSp>
           <p:nvCxnSpPr>
-            <p:cNvPr id="28" name="Straight Connector 27"/>
+            <p:cNvPr id="17" name="Straight Connector 16"/>
             <p:cNvCxnSpPr/>
             <p:nvPr/>
           </p:nvCxnSpPr>
@@ -601,8 +517,8 @@
             </a:prstGeom>
             <a:ln w="9525">
               <a:solidFill>
-                <a:schemeClr val="accent1">
-                  <a:alpha val="70000"/>
+                <a:schemeClr val="bg1">
+                  <a:lumMod val="85000"/>
                 </a:schemeClr>
               </a:solidFill>
             </a:ln>
@@ -624,7 +540,7 @@
         </p:cxnSp>
         <p:cxnSp>
           <p:nvCxnSpPr>
-            <p:cNvPr id="29" name="Straight Connector 28"/>
+            <p:cNvPr id="18" name="Straight Connector 17"/>
             <p:cNvCxnSpPr/>
             <p:nvPr/>
           </p:nvCxnSpPr>
@@ -638,8 +554,8 @@
             </a:prstGeom>
             <a:ln w="9525">
               <a:solidFill>
-                <a:schemeClr val="accent1">
-                  <a:alpha val="70000"/>
+                <a:schemeClr val="bg1">
+                  <a:lumMod val="75000"/>
                 </a:schemeClr>
               </a:solidFill>
             </a:ln>
@@ -661,7 +577,7 @@
         </p:cxnSp>
         <p:sp>
           <p:nvSpPr>
-            <p:cNvPr id="30" name="Freeform 29"/>
+            <p:cNvPr id="19" name="Freeform 18"/>
             <p:cNvSpPr/>
             <p:nvPr/>
           </p:nvSpPr>
@@ -701,7 +617,7 @@
             </a:custGeom>
             <a:solidFill>
               <a:schemeClr val="accent1">
-                <a:alpha val="36000"/>
+                <a:alpha val="30000"/>
               </a:schemeClr>
             </a:solidFill>
             <a:ln>
@@ -726,7 +642,7 @@
         </p:sp>
         <p:sp>
           <p:nvSpPr>
-            <p:cNvPr id="31" name="Freeform 30"/>
+            <p:cNvPr id="20" name="Freeform 19"/>
             <p:cNvSpPr/>
             <p:nvPr/>
           </p:nvSpPr>
@@ -791,7 +707,7 @@
         </p:sp>
         <p:sp>
           <p:nvSpPr>
-            <p:cNvPr id="32" name="Freeform 31"/>
+            <p:cNvPr id="21" name="Freeform 20"/>
             <p:cNvSpPr/>
             <p:nvPr/>
           </p:nvSpPr>
@@ -827,9 +743,8 @@
               </a:pathLst>
             </a:custGeom>
             <a:solidFill>
-              <a:schemeClr val="accent1">
-                <a:lumMod val="75000"/>
-                <a:alpha val="66000"/>
+              <a:schemeClr val="accent2">
+                <a:alpha val="72000"/>
               </a:schemeClr>
             </a:solidFill>
             <a:ln>
@@ -854,7 +769,7 @@
         </p:sp>
         <p:sp>
           <p:nvSpPr>
-            <p:cNvPr id="33" name="Freeform 32"/>
+            <p:cNvPr id="22" name="Freeform 21"/>
             <p:cNvSpPr/>
             <p:nvPr/>
           </p:nvSpPr>
@@ -891,9 +806,9 @@
               </a:pathLst>
             </a:custGeom>
             <a:solidFill>
-              <a:schemeClr val="accent1">
+              <a:schemeClr val="accent2">
                 <a:lumMod val="75000"/>
-                <a:alpha val="50000"/>
+                <a:alpha val="70000"/>
               </a:schemeClr>
             </a:solidFill>
             <a:ln>
@@ -918,7 +833,7 @@
         </p:sp>
         <p:sp>
           <p:nvSpPr>
-            <p:cNvPr id="34" name="Freeform 33"/>
+            <p:cNvPr id="23" name="Freeform 22"/>
             <p:cNvSpPr/>
             <p:nvPr/>
           </p:nvSpPr>
@@ -957,7 +872,9 @@
               </a:pathLst>
             </a:custGeom>
             <a:solidFill>
-              <a:schemeClr val="accent2">
+              <a:schemeClr val="accent1">
+                <a:lumMod val="60000"/>
+                <a:lumOff val="40000"/>
                 <a:alpha val="70000"/>
               </a:schemeClr>
             </a:solidFill>
@@ -983,13 +900,13 @@
         </p:sp>
         <p:sp>
           <p:nvSpPr>
-            <p:cNvPr id="35" name="Freeform 34"/>
+            <p:cNvPr id="24" name="Freeform 23"/>
             <p:cNvSpPr/>
             <p:nvPr/>
           </p:nvSpPr>
           <p:spPr>
             <a:xfrm>
-              <a:off x="8094165" y="-8468"/>
+              <a:off x="8077231" y="-8468"/>
               <a:ext cx="1066770" cy="6866467"/>
             </a:xfrm>
             <a:custGeom>
@@ -1022,9 +939,8 @@
               </a:pathLst>
             </a:custGeom>
             <a:solidFill>
-              <a:schemeClr val="accent2">
-                <a:lumMod val="75000"/>
-                <a:alpha val="82000"/>
+              <a:schemeClr val="accent1">
+                <a:alpha val="65000"/>
               </a:schemeClr>
             </a:solidFill>
             <a:ln>
@@ -1049,13 +965,13 @@
         </p:sp>
         <p:sp>
           <p:nvSpPr>
-            <p:cNvPr id="36" name="Freeform 35"/>
+            <p:cNvPr id="25" name="Freeform 24"/>
             <p:cNvSpPr/>
             <p:nvPr/>
           </p:nvSpPr>
           <p:spPr>
             <a:xfrm>
-              <a:off x="8068764" y="4893733"/>
+              <a:off x="8060297" y="4893733"/>
               <a:ext cx="1094086" cy="1964267"/>
             </a:xfrm>
             <a:custGeom>
@@ -1086,8 +1002,7 @@
             </a:custGeom>
             <a:solidFill>
               <a:schemeClr val="accent1">
-                <a:lumMod val="75000"/>
-                <a:alpha val="66000"/>
+                <a:alpha val="80000"/>
               </a:schemeClr>
             </a:solidFill>
             <a:ln>
@@ -1112,7 +1027,7 @@
         </p:sp>
         <p:sp>
           <p:nvSpPr>
-            <p:cNvPr id="18" name="Freeform 17"/>
+            <p:cNvPr id="28" name="Freeform 27"/>
             <p:cNvSpPr/>
             <p:nvPr/>
           </p:nvSpPr>
@@ -1205,8 +1120,8 @@
           </a:lstStyle>
           <a:p>
             <a:r>
-              <a:rPr lang="de-DE"/>
-              <a:t>Titelmasterformat durch Klicken bearbeiten</a:t>
+              <a:rPr lang="en-US"/>
+              <a:t>Click to edit Master title style</a:t>
             </a:r>
             <a:endParaRPr lang="en-US" dirty="0"/>
           </a:p>
@@ -1325,8 +1240,8 @@
           </a:lstStyle>
           <a:p>
             <a:r>
-              <a:rPr lang="de-DE"/>
-              <a:t>Formatvorlage des Untertitelmasters durch Klicken bearbeiten</a:t>
+              <a:rPr lang="en-US"/>
+              <a:t>Click to edit Master subtitle style</a:t>
             </a:r>
             <a:endParaRPr lang="en-US" dirty="0"/>
           </a:p>
@@ -1349,7 +1264,7 @@
           <a:p>
             <a:fld id="{29163D65-E02A-4B65-B5A8-EF7D4B279BF8}" type="datetimeFigureOut">
               <a:rPr lang="de-DE" smtClean="0"/>
-              <a:t>27.03.2022</a:t>
+              <a:t>28.03.2022</a:t>
             </a:fld>
             <a:endParaRPr lang="de-DE"/>
           </a:p>
@@ -1391,7 +1306,7 @@
           <a:p>
             <a:fld id="{14D66CCF-8AC4-4B35-A528-C81FC1C71673}" type="slidenum">
               <a:rPr lang="de-DE" smtClean="0"/>
-              <a:t>‹Nr.›</a:t>
+              <a:t>‹#›</a:t>
             </a:fld>
             <a:endParaRPr lang="de-DE"/>
           </a:p>
@@ -1400,7 +1315,7 @@
     </p:spTree>
     <p:extLst>
       <p:ext uri="{BB962C8B-B14F-4D97-AF65-F5344CB8AC3E}">
-        <p14:creationId xmlns:p14="http://schemas.microsoft.com/office/powerpoint/2010/main" val="1547094177"/>
+        <p14:creationId xmlns:p14="http://schemas.microsoft.com/office/powerpoint/2010/main" val="336758746"/>
       </p:ext>
     </p:extLst>
   </p:cSld>
@@ -1412,7 +1327,7 @@
 
 <file path=ppt/slideLayouts/slideLayout10.xml><?xml version="1.0" encoding="utf-8"?>
 <p:sldLayout xmlns:a="http://schemas.openxmlformats.org/drawingml/2006/main" xmlns:r="http://schemas.openxmlformats.org/officeDocument/2006/relationships" xmlns:p="http://schemas.openxmlformats.org/presentationml/2006/main" preserve="1">
-  <p:cSld name="Titel und Beschriftung">
+  <p:cSld name="Title and Caption">
     <p:spTree>
       <p:nvGrpSpPr>
         <p:cNvPr id="1" name=""/>
@@ -1454,8 +1369,8 @@
           </a:lstStyle>
           <a:p>
             <a:r>
-              <a:rPr lang="de-DE"/>
-              <a:t>Titelmasterformat durch Klicken bearbeiten</a:t>
+              <a:rPr lang="en-US"/>
+              <a:t>Click to edit Master title style</a:t>
             </a:r>
             <a:endParaRPr lang="en-US" dirty="0"/>
           </a:p>
@@ -1577,8 +1492,8 @@
           <a:p>
             <a:pPr lvl="0"/>
             <a:r>
-              <a:rPr lang="de-DE"/>
-              <a:t>Formatvorlagen des Textmasters bearbeiten</a:t>
+              <a:rPr lang="en-US"/>
+              <a:t>Click to edit Master text styles</a:t>
             </a:r>
           </a:p>
         </p:txBody>
@@ -1600,7 +1515,7 @@
           <a:p>
             <a:fld id="{29163D65-E02A-4B65-B5A8-EF7D4B279BF8}" type="datetimeFigureOut">
               <a:rPr lang="de-DE" smtClean="0"/>
-              <a:t>27.03.2022</a:t>
+              <a:t>28.03.2022</a:t>
             </a:fld>
             <a:endParaRPr lang="de-DE"/>
           </a:p>
@@ -1642,7 +1557,7 @@
           <a:p>
             <a:fld id="{14D66CCF-8AC4-4B35-A528-C81FC1C71673}" type="slidenum">
               <a:rPr lang="de-DE" smtClean="0"/>
-              <a:t>‹Nr.›</a:t>
+              <a:t>‹#›</a:t>
             </a:fld>
             <a:endParaRPr lang="de-DE"/>
           </a:p>
@@ -1651,7 +1566,7 @@
     </p:spTree>
     <p:extLst>
       <p:ext uri="{BB962C8B-B14F-4D97-AF65-F5344CB8AC3E}">
-        <p14:creationId xmlns:p14="http://schemas.microsoft.com/office/powerpoint/2010/main" val="671714933"/>
+        <p14:creationId xmlns:p14="http://schemas.microsoft.com/office/powerpoint/2010/main" val="4228109688"/>
       </p:ext>
     </p:extLst>
   </p:cSld>
@@ -1663,7 +1578,7 @@
 
 <file path=ppt/slideLayouts/slideLayout11.xml><?xml version="1.0" encoding="utf-8"?>
 <p:sldLayout xmlns:a="http://schemas.openxmlformats.org/drawingml/2006/main" xmlns:r="http://schemas.openxmlformats.org/officeDocument/2006/relationships" xmlns:p="http://schemas.openxmlformats.org/presentationml/2006/main" preserve="1">
-  <p:cSld name="Zitat mit Beschriftung">
+  <p:cSld name="Quote with Caption">
     <p:spTree>
       <p:nvGrpSpPr>
         <p:cNvPr id="1" name=""/>
@@ -1705,8 +1620,8 @@
           </a:lstStyle>
           <a:p>
             <a:r>
-              <a:rPr lang="de-DE"/>
-              <a:t>Titelmasterformat durch Klicken bearbeiten</a:t>
+              <a:rPr lang="en-US"/>
+              <a:t>Click to edit Master title style</a:t>
             </a:r>
             <a:endParaRPr lang="en-US" dirty="0"/>
           </a:p>
@@ -1769,8 +1684,8 @@
           <a:p>
             <a:pPr lvl="0"/>
             <a:r>
-              <a:rPr lang="de-DE"/>
-              <a:t>Formatvorlagen des Textmasters bearbeiten</a:t>
+              <a:rPr lang="en-US"/>
+              <a:t>Click to edit Master text styles</a:t>
             </a:r>
           </a:p>
         </p:txBody>
@@ -1891,8 +1806,8 @@
           <a:p>
             <a:pPr lvl="0"/>
             <a:r>
-              <a:rPr lang="de-DE"/>
-              <a:t>Formatvorlagen des Textmasters bearbeiten</a:t>
+              <a:rPr lang="en-US"/>
+              <a:t>Click to edit Master text styles</a:t>
             </a:r>
           </a:p>
         </p:txBody>
@@ -1914,7 +1829,7 @@
           <a:p>
             <a:fld id="{29163D65-E02A-4B65-B5A8-EF7D4B279BF8}" type="datetimeFigureOut">
               <a:rPr lang="de-DE" smtClean="0"/>
-              <a:t>27.03.2022</a:t>
+              <a:t>28.03.2022</a:t>
             </a:fld>
             <a:endParaRPr lang="de-DE"/>
           </a:p>
@@ -1956,7 +1871,7 @@
           <a:p>
             <a:fld id="{14D66CCF-8AC4-4B35-A528-C81FC1C71673}" type="slidenum">
               <a:rPr lang="de-DE" smtClean="0"/>
-              <a:t>‹Nr.›</a:t>
+              <a:t>‹#›</a:t>
             </a:fld>
             <a:endParaRPr lang="de-DE"/>
           </a:p>
@@ -2047,7 +1962,7 @@
     </p:spTree>
     <p:extLst>
       <p:ext uri="{BB962C8B-B14F-4D97-AF65-F5344CB8AC3E}">
-        <p14:creationId xmlns:p14="http://schemas.microsoft.com/office/powerpoint/2010/main" val="3924532832"/>
+        <p14:creationId xmlns:p14="http://schemas.microsoft.com/office/powerpoint/2010/main" val="1262747629"/>
       </p:ext>
     </p:extLst>
   </p:cSld>
@@ -2059,7 +1974,7 @@
 
 <file path=ppt/slideLayouts/slideLayout12.xml><?xml version="1.0" encoding="utf-8"?>
 <p:sldLayout xmlns:a="http://schemas.openxmlformats.org/drawingml/2006/main" xmlns:r="http://schemas.openxmlformats.org/officeDocument/2006/relationships" xmlns:p="http://schemas.openxmlformats.org/presentationml/2006/main" preserve="1">
-  <p:cSld name="Namenskarte">
+  <p:cSld name="Name Card">
     <p:spTree>
       <p:nvGrpSpPr>
         <p:cNvPr id="1" name=""/>
@@ -2101,8 +2016,8 @@
           </a:lstStyle>
           <a:p>
             <a:r>
-              <a:rPr lang="de-DE"/>
-              <a:t>Titelmasterformat durch Klicken bearbeiten</a:t>
+              <a:rPr lang="en-US"/>
+              <a:t>Click to edit Master title style</a:t>
             </a:r>
             <a:endParaRPr lang="en-US" dirty="0"/>
           </a:p>
@@ -2224,8 +2139,8 @@
           <a:p>
             <a:pPr lvl="0"/>
             <a:r>
-              <a:rPr lang="de-DE"/>
-              <a:t>Formatvorlagen des Textmasters bearbeiten</a:t>
+              <a:rPr lang="en-US"/>
+              <a:t>Click to edit Master text styles</a:t>
             </a:r>
           </a:p>
         </p:txBody>
@@ -2247,7 +2162,7 @@
           <a:p>
             <a:fld id="{29163D65-E02A-4B65-B5A8-EF7D4B279BF8}" type="datetimeFigureOut">
               <a:rPr lang="de-DE" smtClean="0"/>
-              <a:t>27.03.2022</a:t>
+              <a:t>28.03.2022</a:t>
             </a:fld>
             <a:endParaRPr lang="de-DE"/>
           </a:p>
@@ -2289,7 +2204,7 @@
           <a:p>
             <a:fld id="{14D66CCF-8AC4-4B35-A528-C81FC1C71673}" type="slidenum">
               <a:rPr lang="de-DE" smtClean="0"/>
-              <a:t>‹Nr.›</a:t>
+              <a:t>‹#›</a:t>
             </a:fld>
             <a:endParaRPr lang="de-DE"/>
           </a:p>
@@ -2298,7 +2213,7 @@
     </p:spTree>
     <p:extLst>
       <p:ext uri="{BB962C8B-B14F-4D97-AF65-F5344CB8AC3E}">
-        <p14:creationId xmlns:p14="http://schemas.microsoft.com/office/powerpoint/2010/main" val="3140189849"/>
+        <p14:creationId xmlns:p14="http://schemas.microsoft.com/office/powerpoint/2010/main" val="3423915463"/>
       </p:ext>
     </p:extLst>
   </p:cSld>
@@ -2310,7 +2225,7 @@
 
 <file path=ppt/slideLayouts/slideLayout13.xml><?xml version="1.0" encoding="utf-8"?>
 <p:sldLayout xmlns:a="http://schemas.openxmlformats.org/drawingml/2006/main" xmlns:r="http://schemas.openxmlformats.org/officeDocument/2006/relationships" xmlns:p="http://schemas.openxmlformats.org/presentationml/2006/main" preserve="1">
-  <p:cSld name="Namenskarte für Zitat">
+  <p:cSld name="Quote Name Card">
     <p:spTree>
       <p:nvGrpSpPr>
         <p:cNvPr id="1" name=""/>
@@ -2352,8 +2267,8 @@
           </a:lstStyle>
           <a:p>
             <a:r>
-              <a:rPr lang="de-DE"/>
-              <a:t>Titelmasterformat durch Klicken bearbeiten</a:t>
+              <a:rPr lang="en-US"/>
+              <a:t>Click to edit Master title style</a:t>
             </a:r>
             <a:endParaRPr lang="en-US" dirty="0"/>
           </a:p>
@@ -2416,8 +2331,8 @@
           <a:p>
             <a:pPr lvl="0"/>
             <a:r>
-              <a:rPr lang="de-DE"/>
-              <a:t>Formatvorlagen des Textmasters bearbeiten</a:t>
+              <a:rPr lang="en-US"/>
+              <a:t>Click to edit Master text styles</a:t>
             </a:r>
           </a:p>
         </p:txBody>
@@ -2538,8 +2453,8 @@
           <a:p>
             <a:pPr lvl="0"/>
             <a:r>
-              <a:rPr lang="de-DE"/>
-              <a:t>Formatvorlagen des Textmasters bearbeiten</a:t>
+              <a:rPr lang="en-US"/>
+              <a:t>Click to edit Master text styles</a:t>
             </a:r>
           </a:p>
         </p:txBody>
@@ -2561,7 +2476,7 @@
           <a:p>
             <a:fld id="{29163D65-E02A-4B65-B5A8-EF7D4B279BF8}" type="datetimeFigureOut">
               <a:rPr lang="de-DE" smtClean="0"/>
-              <a:t>27.03.2022</a:t>
+              <a:t>28.03.2022</a:t>
             </a:fld>
             <a:endParaRPr lang="de-DE"/>
           </a:p>
@@ -2603,7 +2518,7 @@
           <a:p>
             <a:fld id="{14D66CCF-8AC4-4B35-A528-C81FC1C71673}" type="slidenum">
               <a:rPr lang="de-DE" smtClean="0"/>
-              <a:t>‹Nr.›</a:t>
+              <a:t>‹#›</a:t>
             </a:fld>
             <a:endParaRPr lang="de-DE"/>
           </a:p>
@@ -2694,7 +2609,7 @@
     </p:spTree>
     <p:extLst>
       <p:ext uri="{BB962C8B-B14F-4D97-AF65-F5344CB8AC3E}">
-        <p14:creationId xmlns:p14="http://schemas.microsoft.com/office/powerpoint/2010/main" val="290045058"/>
+        <p14:creationId xmlns:p14="http://schemas.microsoft.com/office/powerpoint/2010/main" val="3459109939"/>
       </p:ext>
     </p:extLst>
   </p:cSld>
@@ -2706,7 +2621,7 @@
 
 <file path=ppt/slideLayouts/slideLayout14.xml><?xml version="1.0" encoding="utf-8"?>
 <p:sldLayout xmlns:a="http://schemas.openxmlformats.org/drawingml/2006/main" xmlns:r="http://schemas.openxmlformats.org/officeDocument/2006/relationships" xmlns:p="http://schemas.openxmlformats.org/presentationml/2006/main" preserve="1">
-  <p:cSld name="Wahr oder Falsch">
+  <p:cSld name="True or False">
     <p:spTree>
       <p:nvGrpSpPr>
         <p:cNvPr id="1" name=""/>
@@ -2748,8 +2663,8 @@
           </a:lstStyle>
           <a:p>
             <a:r>
-              <a:rPr lang="de-DE"/>
-              <a:t>Titelmasterformat durch Klicken bearbeiten</a:t>
+              <a:rPr lang="en-US"/>
+              <a:t>Click to edit Master title style</a:t>
             </a:r>
             <a:endParaRPr lang="en-US" dirty="0"/>
           </a:p>
@@ -2809,8 +2724,8 @@
           <a:p>
             <a:pPr lvl="0"/>
             <a:r>
-              <a:rPr lang="de-DE"/>
-              <a:t>Formatvorlagen des Textmasters bearbeiten</a:t>
+              <a:rPr lang="en-US"/>
+              <a:t>Click to edit Master text styles</a:t>
             </a:r>
           </a:p>
         </p:txBody>
@@ -2931,8 +2846,8 @@
           <a:p>
             <a:pPr lvl="0"/>
             <a:r>
-              <a:rPr lang="de-DE"/>
-              <a:t>Formatvorlagen des Textmasters bearbeiten</a:t>
+              <a:rPr lang="en-US"/>
+              <a:t>Click to edit Master text styles</a:t>
             </a:r>
           </a:p>
         </p:txBody>
@@ -2954,7 +2869,7 @@
           <a:p>
             <a:fld id="{29163D65-E02A-4B65-B5A8-EF7D4B279BF8}" type="datetimeFigureOut">
               <a:rPr lang="de-DE" smtClean="0"/>
-              <a:t>27.03.2022</a:t>
+              <a:t>28.03.2022</a:t>
             </a:fld>
             <a:endParaRPr lang="de-DE"/>
           </a:p>
@@ -2996,7 +2911,7 @@
           <a:p>
             <a:fld id="{14D66CCF-8AC4-4B35-A528-C81FC1C71673}" type="slidenum">
               <a:rPr lang="de-DE" smtClean="0"/>
-              <a:t>‹Nr.›</a:t>
+              <a:t>‹#›</a:t>
             </a:fld>
             <a:endParaRPr lang="de-DE"/>
           </a:p>
@@ -3005,7 +2920,7 @@
     </p:spTree>
     <p:extLst>
       <p:ext uri="{BB962C8B-B14F-4D97-AF65-F5344CB8AC3E}">
-        <p14:creationId xmlns:p14="http://schemas.microsoft.com/office/powerpoint/2010/main" val="709002241"/>
+        <p14:creationId xmlns:p14="http://schemas.microsoft.com/office/powerpoint/2010/main" val="1469600965"/>
       </p:ext>
     </p:extLst>
   </p:cSld>
@@ -3017,7 +2932,7 @@
 
 <file path=ppt/slideLayouts/slideLayout15.xml><?xml version="1.0" encoding="utf-8"?>
 <p:sldLayout xmlns:a="http://schemas.openxmlformats.org/drawingml/2006/main" xmlns:r="http://schemas.openxmlformats.org/officeDocument/2006/relationships" xmlns:p="http://schemas.openxmlformats.org/presentationml/2006/main" type="vertTx" preserve="1">
-  <p:cSld name="Titel und vertikaler Text">
+  <p:cSld name="Title and Vertical Text">
     <p:spTree>
       <p:nvGrpSpPr>
         <p:cNvPr id="1" name=""/>
@@ -3048,8 +2963,8 @@
           <a:lstStyle/>
           <a:p>
             <a:r>
-              <a:rPr lang="de-DE"/>
-              <a:t>Titelmasterformat durch Klicken bearbeiten</a:t>
+              <a:rPr lang="en-US"/>
+              <a:t>Click to edit Master title style</a:t>
             </a:r>
             <a:endParaRPr lang="en-US" dirty="0"/>
           </a:p>
@@ -3072,36 +2987,36 @@
           <a:p>
             <a:pPr lvl="0"/>
             <a:r>
-              <a:rPr lang="de-DE"/>
-              <a:t>Formatvorlagen des Textmasters bearbeiten</a:t>
+              <a:rPr lang="en-US"/>
+              <a:t>Click to edit Master text styles</a:t>
             </a:r>
           </a:p>
           <a:p>
             <a:pPr lvl="1"/>
             <a:r>
-              <a:rPr lang="de-DE"/>
-              <a:t>Zweite Ebene</a:t>
+              <a:rPr lang="en-US"/>
+              <a:t>Second level</a:t>
             </a:r>
           </a:p>
           <a:p>
             <a:pPr lvl="2"/>
             <a:r>
-              <a:rPr lang="de-DE"/>
-              <a:t>Dritte Ebene</a:t>
+              <a:rPr lang="en-US"/>
+              <a:t>Third level</a:t>
             </a:r>
           </a:p>
           <a:p>
             <a:pPr lvl="3"/>
             <a:r>
-              <a:rPr lang="de-DE"/>
-              <a:t>Vierte Ebene</a:t>
+              <a:rPr lang="en-US"/>
+              <a:t>Fourth level</a:t>
             </a:r>
           </a:p>
           <a:p>
             <a:pPr lvl="4"/>
             <a:r>
-              <a:rPr lang="de-DE"/>
-              <a:t>Fünfte Ebene</a:t>
+              <a:rPr lang="en-US"/>
+              <a:t>Fifth level</a:t>
             </a:r>
             <a:endParaRPr lang="en-US" dirty="0"/>
           </a:p>
@@ -3124,7 +3039,7 @@
           <a:p>
             <a:fld id="{29163D65-E02A-4B65-B5A8-EF7D4B279BF8}" type="datetimeFigureOut">
               <a:rPr lang="de-DE" smtClean="0"/>
-              <a:t>27.03.2022</a:t>
+              <a:t>28.03.2022</a:t>
             </a:fld>
             <a:endParaRPr lang="de-DE"/>
           </a:p>
@@ -3166,7 +3081,7 @@
           <a:p>
             <a:fld id="{14D66CCF-8AC4-4B35-A528-C81FC1C71673}" type="slidenum">
               <a:rPr lang="de-DE" smtClean="0"/>
-              <a:t>‹Nr.›</a:t>
+              <a:t>‹#›</a:t>
             </a:fld>
             <a:endParaRPr lang="de-DE"/>
           </a:p>
@@ -3175,7 +3090,7 @@
     </p:spTree>
     <p:extLst>
       <p:ext uri="{BB962C8B-B14F-4D97-AF65-F5344CB8AC3E}">
-        <p14:creationId xmlns:p14="http://schemas.microsoft.com/office/powerpoint/2010/main" val="1436971226"/>
+        <p14:creationId xmlns:p14="http://schemas.microsoft.com/office/powerpoint/2010/main" val="2893029216"/>
       </p:ext>
     </p:extLst>
   </p:cSld>
@@ -3187,7 +3102,7 @@
 
 <file path=ppt/slideLayouts/slideLayout16.xml><?xml version="1.0" encoding="utf-8"?>
 <p:sldLayout xmlns:a="http://schemas.openxmlformats.org/drawingml/2006/main" xmlns:r="http://schemas.openxmlformats.org/officeDocument/2006/relationships" xmlns:p="http://schemas.openxmlformats.org/presentationml/2006/main" type="vertTitleAndTx" preserve="1">
-  <p:cSld name="Vertikaler Titel und Text">
+  <p:cSld name="Vertical Title and Text">
     <p:spTree>
       <p:nvGrpSpPr>
         <p:cNvPr id="1" name=""/>
@@ -3223,8 +3138,8 @@
           <a:lstStyle/>
           <a:p>
             <a:r>
-              <a:rPr lang="de-DE"/>
-              <a:t>Titelmasterformat durch Klicken bearbeiten</a:t>
+              <a:rPr lang="en-US"/>
+              <a:t>Click to edit Master title style</a:t>
             </a:r>
             <a:endParaRPr lang="en-US" dirty="0"/>
           </a:p>
@@ -3252,36 +3167,36 @@
           <a:p>
             <a:pPr lvl="0"/>
             <a:r>
-              <a:rPr lang="de-DE"/>
-              <a:t>Formatvorlagen des Textmasters bearbeiten</a:t>
+              <a:rPr lang="en-US"/>
+              <a:t>Click to edit Master text styles</a:t>
             </a:r>
           </a:p>
           <a:p>
             <a:pPr lvl="1"/>
             <a:r>
-              <a:rPr lang="de-DE"/>
-              <a:t>Zweite Ebene</a:t>
+              <a:rPr lang="en-US"/>
+              <a:t>Second level</a:t>
             </a:r>
           </a:p>
           <a:p>
             <a:pPr lvl="2"/>
             <a:r>
-              <a:rPr lang="de-DE"/>
-              <a:t>Dritte Ebene</a:t>
+              <a:rPr lang="en-US"/>
+              <a:t>Third level</a:t>
             </a:r>
           </a:p>
           <a:p>
             <a:pPr lvl="3"/>
             <a:r>
-              <a:rPr lang="de-DE"/>
-              <a:t>Vierte Ebene</a:t>
+              <a:rPr lang="en-US"/>
+              <a:t>Fourth level</a:t>
             </a:r>
           </a:p>
           <a:p>
             <a:pPr lvl="4"/>
             <a:r>
-              <a:rPr lang="de-DE"/>
-              <a:t>Fünfte Ebene</a:t>
+              <a:rPr lang="en-US"/>
+              <a:t>Fifth level</a:t>
             </a:r>
             <a:endParaRPr lang="en-US" dirty="0"/>
           </a:p>
@@ -3304,7 +3219,7 @@
           <a:p>
             <a:fld id="{29163D65-E02A-4B65-B5A8-EF7D4B279BF8}" type="datetimeFigureOut">
               <a:rPr lang="de-DE" smtClean="0"/>
-              <a:t>27.03.2022</a:t>
+              <a:t>28.03.2022</a:t>
             </a:fld>
             <a:endParaRPr lang="de-DE"/>
           </a:p>
@@ -3346,7 +3261,7 @@
           <a:p>
             <a:fld id="{14D66CCF-8AC4-4B35-A528-C81FC1C71673}" type="slidenum">
               <a:rPr lang="de-DE" smtClean="0"/>
-              <a:t>‹Nr.›</a:t>
+              <a:t>‹#›</a:t>
             </a:fld>
             <a:endParaRPr lang="de-DE"/>
           </a:p>
@@ -3355,7 +3270,7 @@
     </p:spTree>
     <p:extLst>
       <p:ext uri="{BB962C8B-B14F-4D97-AF65-F5344CB8AC3E}">
-        <p14:creationId xmlns:p14="http://schemas.microsoft.com/office/powerpoint/2010/main" val="2544706724"/>
+        <p14:creationId xmlns:p14="http://schemas.microsoft.com/office/powerpoint/2010/main" val="3626453108"/>
       </p:ext>
     </p:extLst>
   </p:cSld>
@@ -3367,7 +3282,7 @@
 
 <file path=ppt/slideLayouts/slideLayout2.xml><?xml version="1.0" encoding="utf-8"?>
 <p:sldLayout xmlns:a="http://schemas.openxmlformats.org/drawingml/2006/main" xmlns:r="http://schemas.openxmlformats.org/officeDocument/2006/relationships" xmlns:p="http://schemas.openxmlformats.org/presentationml/2006/main" type="obj" preserve="1">
-  <p:cSld name="Titel und Inhalt">
+  <p:cSld name="Title and Content">
     <p:spTree>
       <p:nvGrpSpPr>
         <p:cNvPr id="1" name=""/>
@@ -3394,18 +3309,12 @@
         </p:nvSpPr>
         <p:spPr/>
         <p:txBody>
-          <a:bodyPr>
-            <a:normAutofit/>
-          </a:bodyPr>
-          <a:lstStyle>
-            <a:lvl1pPr>
-              <a:defRPr sz="3600"/>
-            </a:lvl1pPr>
-          </a:lstStyle>
-          <a:p>
-            <a:r>
-              <a:rPr lang="de-DE"/>
-              <a:t>Titelmasterformat durch Klicken bearbeiten</a:t>
+          <a:bodyPr/>
+          <a:lstStyle/>
+          <a:p>
+            <a:r>
+              <a:rPr lang="en-US"/>
+              <a:t>Click to edit Master title style</a:t>
             </a:r>
             <a:endParaRPr lang="en-US" dirty="0"/>
           </a:p>
@@ -3428,36 +3337,36 @@
           <a:p>
             <a:pPr lvl="0"/>
             <a:r>
-              <a:rPr lang="de-DE"/>
-              <a:t>Formatvorlagen des Textmasters bearbeiten</a:t>
+              <a:rPr lang="en-US"/>
+              <a:t>Click to edit Master text styles</a:t>
             </a:r>
           </a:p>
           <a:p>
             <a:pPr lvl="1"/>
             <a:r>
-              <a:rPr lang="de-DE"/>
-              <a:t>Zweite Ebene</a:t>
+              <a:rPr lang="en-US"/>
+              <a:t>Second level</a:t>
             </a:r>
           </a:p>
           <a:p>
             <a:pPr lvl="2"/>
             <a:r>
-              <a:rPr lang="de-DE"/>
-              <a:t>Dritte Ebene</a:t>
+              <a:rPr lang="en-US"/>
+              <a:t>Third level</a:t>
             </a:r>
           </a:p>
           <a:p>
             <a:pPr lvl="3"/>
             <a:r>
-              <a:rPr lang="de-DE"/>
-              <a:t>Vierte Ebene</a:t>
+              <a:rPr lang="en-US"/>
+              <a:t>Fourth level</a:t>
             </a:r>
           </a:p>
           <a:p>
             <a:pPr lvl="4"/>
             <a:r>
-              <a:rPr lang="de-DE"/>
-              <a:t>Fünfte Ebene</a:t>
+              <a:rPr lang="en-US"/>
+              <a:t>Fifth level</a:t>
             </a:r>
             <a:endParaRPr lang="en-US" dirty="0"/>
           </a:p>
@@ -3480,7 +3389,7 @@
           <a:p>
             <a:fld id="{29163D65-E02A-4B65-B5A8-EF7D4B279BF8}" type="datetimeFigureOut">
               <a:rPr lang="de-DE" smtClean="0"/>
-              <a:t>27.03.2022</a:t>
+              <a:t>28.03.2022</a:t>
             </a:fld>
             <a:endParaRPr lang="de-DE"/>
           </a:p>
@@ -3522,7 +3431,7 @@
           <a:p>
             <a:fld id="{14D66CCF-8AC4-4B35-A528-C81FC1C71673}" type="slidenum">
               <a:rPr lang="de-DE" smtClean="0"/>
-              <a:t>‹Nr.›</a:t>
+              <a:t>‹#›</a:t>
             </a:fld>
             <a:endParaRPr lang="de-DE"/>
           </a:p>
@@ -3531,7 +3440,7 @@
     </p:spTree>
     <p:extLst>
       <p:ext uri="{BB962C8B-B14F-4D97-AF65-F5344CB8AC3E}">
-        <p14:creationId xmlns:p14="http://schemas.microsoft.com/office/powerpoint/2010/main" val="3020927253"/>
+        <p14:creationId xmlns:p14="http://schemas.microsoft.com/office/powerpoint/2010/main" val="2859621151"/>
       </p:ext>
     </p:extLst>
   </p:cSld>
@@ -3543,7 +3452,7 @@
 
 <file path=ppt/slideLayouts/slideLayout3.xml><?xml version="1.0" encoding="utf-8"?>
 <p:sldLayout xmlns:a="http://schemas.openxmlformats.org/drawingml/2006/main" xmlns:r="http://schemas.openxmlformats.org/officeDocument/2006/relationships" xmlns:p="http://schemas.openxmlformats.org/presentationml/2006/main" type="secHead" preserve="1">
-  <p:cSld name="Abschnitts-&#10;überschrift">
+  <p:cSld name="Section Header">
     <p:spTree>
       <p:nvGrpSpPr>
         <p:cNvPr id="1" name=""/>
@@ -3583,8 +3492,8 @@
           </a:lstStyle>
           <a:p>
             <a:r>
-              <a:rPr lang="de-DE"/>
-              <a:t>Titelmasterformat durch Klicken bearbeiten</a:t>
+              <a:rPr lang="en-US"/>
+              <a:t>Click to edit Master title style</a:t>
             </a:r>
             <a:endParaRPr lang="en-US" dirty="0"/>
           </a:p>
@@ -3704,8 +3613,8 @@
           <a:p>
             <a:pPr lvl="0"/>
             <a:r>
-              <a:rPr lang="de-DE"/>
-              <a:t>Formatvorlagen des Textmasters bearbeiten</a:t>
+              <a:rPr lang="en-US"/>
+              <a:t>Click to edit Master text styles</a:t>
             </a:r>
           </a:p>
         </p:txBody>
@@ -3727,7 +3636,7 @@
           <a:p>
             <a:fld id="{29163D65-E02A-4B65-B5A8-EF7D4B279BF8}" type="datetimeFigureOut">
               <a:rPr lang="de-DE" smtClean="0"/>
-              <a:t>27.03.2022</a:t>
+              <a:t>28.03.2022</a:t>
             </a:fld>
             <a:endParaRPr lang="de-DE"/>
           </a:p>
@@ -3769,7 +3678,7 @@
           <a:p>
             <a:fld id="{14D66CCF-8AC4-4B35-A528-C81FC1C71673}" type="slidenum">
               <a:rPr lang="de-DE" smtClean="0"/>
-              <a:t>‹Nr.›</a:t>
+              <a:t>‹#›</a:t>
             </a:fld>
             <a:endParaRPr lang="de-DE"/>
           </a:p>
@@ -3778,7 +3687,7 @@
     </p:spTree>
     <p:extLst>
       <p:ext uri="{BB962C8B-B14F-4D97-AF65-F5344CB8AC3E}">
-        <p14:creationId xmlns:p14="http://schemas.microsoft.com/office/powerpoint/2010/main" val="627151100"/>
+        <p14:creationId xmlns:p14="http://schemas.microsoft.com/office/powerpoint/2010/main" val="10996942"/>
       </p:ext>
     </p:extLst>
   </p:cSld>
@@ -3790,7 +3699,7 @@
 
 <file path=ppt/slideLayouts/slideLayout4.xml><?xml version="1.0" encoding="utf-8"?>
 <p:sldLayout xmlns:a="http://schemas.openxmlformats.org/drawingml/2006/main" xmlns:r="http://schemas.openxmlformats.org/officeDocument/2006/relationships" xmlns:p="http://schemas.openxmlformats.org/presentationml/2006/main" type="twoObj" preserve="1">
-  <p:cSld name="Zwei Inhalte">
+  <p:cSld name="Two Content">
     <p:spTree>
       <p:nvGrpSpPr>
         <p:cNvPr id="1" name=""/>
@@ -3826,8 +3735,8 @@
           <a:lstStyle/>
           <a:p>
             <a:r>
-              <a:rPr lang="de-DE"/>
-              <a:t>Titelmasterformat durch Klicken bearbeiten</a:t>
+              <a:rPr lang="en-US"/>
+              <a:t>Click to edit Master title style</a:t>
             </a:r>
             <a:endParaRPr lang="en-US" dirty="0"/>
           </a:p>
@@ -3885,36 +3794,36 @@
           <a:p>
             <a:pPr lvl="0"/>
             <a:r>
-              <a:rPr lang="de-DE"/>
-              <a:t>Formatvorlagen des Textmasters bearbeiten</a:t>
+              <a:rPr lang="en-US"/>
+              <a:t>Click to edit Master text styles</a:t>
             </a:r>
           </a:p>
           <a:p>
             <a:pPr lvl="1"/>
             <a:r>
-              <a:rPr lang="de-DE"/>
-              <a:t>Zweite Ebene</a:t>
+              <a:rPr lang="en-US"/>
+              <a:t>Second level</a:t>
             </a:r>
           </a:p>
           <a:p>
             <a:pPr lvl="2"/>
             <a:r>
-              <a:rPr lang="de-DE"/>
-              <a:t>Dritte Ebene</a:t>
+              <a:rPr lang="en-US"/>
+              <a:t>Third level</a:t>
             </a:r>
           </a:p>
           <a:p>
             <a:pPr lvl="3"/>
             <a:r>
-              <a:rPr lang="de-DE"/>
-              <a:t>Vierte Ebene</a:t>
+              <a:rPr lang="en-US"/>
+              <a:t>Fourth level</a:t>
             </a:r>
           </a:p>
           <a:p>
             <a:pPr lvl="4"/>
             <a:r>
-              <a:rPr lang="de-DE"/>
-              <a:t>Fünfte Ebene</a:t>
+              <a:rPr lang="en-US"/>
+              <a:t>Fifth level</a:t>
             </a:r>
             <a:endParaRPr lang="en-US" dirty="0"/>
           </a:p>
@@ -3972,36 +3881,36 @@
           <a:p>
             <a:pPr lvl="0"/>
             <a:r>
-              <a:rPr lang="de-DE"/>
-              <a:t>Formatvorlagen des Textmasters bearbeiten</a:t>
+              <a:rPr lang="en-US"/>
+              <a:t>Click to edit Master text styles</a:t>
             </a:r>
           </a:p>
           <a:p>
             <a:pPr lvl="1"/>
             <a:r>
-              <a:rPr lang="de-DE"/>
-              <a:t>Zweite Ebene</a:t>
+              <a:rPr lang="en-US"/>
+              <a:t>Second level</a:t>
             </a:r>
           </a:p>
           <a:p>
             <a:pPr lvl="2"/>
             <a:r>
-              <a:rPr lang="de-DE"/>
-              <a:t>Dritte Ebene</a:t>
+              <a:rPr lang="en-US"/>
+              <a:t>Third level</a:t>
             </a:r>
           </a:p>
           <a:p>
             <a:pPr lvl="3"/>
             <a:r>
-              <a:rPr lang="de-DE"/>
-              <a:t>Vierte Ebene</a:t>
+              <a:rPr lang="en-US"/>
+              <a:t>Fourth level</a:t>
             </a:r>
           </a:p>
           <a:p>
             <a:pPr lvl="4"/>
             <a:r>
-              <a:rPr lang="de-DE"/>
-              <a:t>Fünfte Ebene</a:t>
+              <a:rPr lang="en-US"/>
+              <a:t>Fifth level</a:t>
             </a:r>
             <a:endParaRPr lang="en-US" dirty="0"/>
           </a:p>
@@ -4024,7 +3933,7 @@
           <a:p>
             <a:fld id="{29163D65-E02A-4B65-B5A8-EF7D4B279BF8}" type="datetimeFigureOut">
               <a:rPr lang="de-DE" smtClean="0"/>
-              <a:t>27.03.2022</a:t>
+              <a:t>28.03.2022</a:t>
             </a:fld>
             <a:endParaRPr lang="de-DE"/>
           </a:p>
@@ -4066,7 +3975,7 @@
           <a:p>
             <a:fld id="{14D66CCF-8AC4-4B35-A528-C81FC1C71673}" type="slidenum">
               <a:rPr lang="de-DE" smtClean="0"/>
-              <a:t>‹Nr.›</a:t>
+              <a:t>‹#›</a:t>
             </a:fld>
             <a:endParaRPr lang="de-DE"/>
           </a:p>
@@ -4075,7 +3984,7 @@
     </p:spTree>
     <p:extLst>
       <p:ext uri="{BB962C8B-B14F-4D97-AF65-F5344CB8AC3E}">
-        <p14:creationId xmlns:p14="http://schemas.microsoft.com/office/powerpoint/2010/main" val="3434494116"/>
+        <p14:creationId xmlns:p14="http://schemas.microsoft.com/office/powerpoint/2010/main" val="1592411554"/>
       </p:ext>
     </p:extLst>
   </p:cSld>
@@ -4087,7 +3996,7 @@
 
 <file path=ppt/slideLayouts/slideLayout5.xml><?xml version="1.0" encoding="utf-8"?>
 <p:sldLayout xmlns:a="http://schemas.openxmlformats.org/drawingml/2006/main" xmlns:r="http://schemas.openxmlformats.org/officeDocument/2006/relationships" xmlns:p="http://schemas.openxmlformats.org/presentationml/2006/main" type="twoTxTwoObj" preserve="1">
-  <p:cSld name="Vergleich">
+  <p:cSld name="Comparison">
     <p:spTree>
       <p:nvGrpSpPr>
         <p:cNvPr id="1" name=""/>
@@ -4127,8 +4036,8 @@
           </a:lstStyle>
           <a:p>
             <a:r>
-              <a:rPr lang="de-DE"/>
-              <a:t>Titelmasterformat durch Klicken bearbeiten</a:t>
+              <a:rPr lang="en-US"/>
+              <a:t>Click to edit Master title style</a:t>
             </a:r>
             <a:endParaRPr lang="en-US" dirty="0"/>
           </a:p>
@@ -4195,8 +4104,8 @@
           <a:p>
             <a:pPr lvl="0"/>
             <a:r>
-              <a:rPr lang="de-DE"/>
-              <a:t>Formatvorlagen des Textmasters bearbeiten</a:t>
+              <a:rPr lang="en-US"/>
+              <a:t>Click to edit Master text styles</a:t>
             </a:r>
           </a:p>
         </p:txBody>
@@ -4225,36 +4134,36 @@
           <a:p>
             <a:pPr lvl="0"/>
             <a:r>
-              <a:rPr lang="de-DE"/>
-              <a:t>Formatvorlagen des Textmasters bearbeiten</a:t>
+              <a:rPr lang="en-US"/>
+              <a:t>Click to edit Master text styles</a:t>
             </a:r>
           </a:p>
           <a:p>
             <a:pPr lvl="1"/>
             <a:r>
-              <a:rPr lang="de-DE"/>
-              <a:t>Zweite Ebene</a:t>
+              <a:rPr lang="en-US"/>
+              <a:t>Second level</a:t>
             </a:r>
           </a:p>
           <a:p>
             <a:pPr lvl="2"/>
             <a:r>
-              <a:rPr lang="de-DE"/>
-              <a:t>Dritte Ebene</a:t>
+              <a:rPr lang="en-US"/>
+              <a:t>Third level</a:t>
             </a:r>
           </a:p>
           <a:p>
             <a:pPr lvl="3"/>
             <a:r>
-              <a:rPr lang="de-DE"/>
-              <a:t>Vierte Ebene</a:t>
+              <a:rPr lang="en-US"/>
+              <a:t>Fourth level</a:t>
             </a:r>
           </a:p>
           <a:p>
             <a:pPr lvl="4"/>
             <a:r>
-              <a:rPr lang="de-DE"/>
-              <a:t>Fünfte Ebene</a:t>
+              <a:rPr lang="en-US"/>
+              <a:t>Fifth level</a:t>
             </a:r>
             <a:endParaRPr lang="en-US" dirty="0"/>
           </a:p>
@@ -4321,8 +4230,8 @@
           <a:p>
             <a:pPr lvl="0"/>
             <a:r>
-              <a:rPr lang="de-DE"/>
-              <a:t>Formatvorlagen des Textmasters bearbeiten</a:t>
+              <a:rPr lang="en-US"/>
+              <a:t>Click to edit Master text styles</a:t>
             </a:r>
           </a:p>
         </p:txBody>
@@ -4351,36 +4260,36 @@
           <a:p>
             <a:pPr lvl="0"/>
             <a:r>
-              <a:rPr lang="de-DE"/>
-              <a:t>Formatvorlagen des Textmasters bearbeiten</a:t>
+              <a:rPr lang="en-US"/>
+              <a:t>Click to edit Master text styles</a:t>
             </a:r>
           </a:p>
           <a:p>
             <a:pPr lvl="1"/>
             <a:r>
-              <a:rPr lang="de-DE"/>
-              <a:t>Zweite Ebene</a:t>
+              <a:rPr lang="en-US"/>
+              <a:t>Second level</a:t>
             </a:r>
           </a:p>
           <a:p>
             <a:pPr lvl="2"/>
             <a:r>
-              <a:rPr lang="de-DE"/>
-              <a:t>Dritte Ebene</a:t>
+              <a:rPr lang="en-US"/>
+              <a:t>Third level</a:t>
             </a:r>
           </a:p>
           <a:p>
             <a:pPr lvl="3"/>
             <a:r>
-              <a:rPr lang="de-DE"/>
-              <a:t>Vierte Ebene</a:t>
+              <a:rPr lang="en-US"/>
+              <a:t>Fourth level</a:t>
             </a:r>
           </a:p>
           <a:p>
             <a:pPr lvl="4"/>
             <a:r>
-              <a:rPr lang="de-DE"/>
-              <a:t>Fünfte Ebene</a:t>
+              <a:rPr lang="en-US"/>
+              <a:t>Fifth level</a:t>
             </a:r>
             <a:endParaRPr lang="en-US" dirty="0"/>
           </a:p>
@@ -4403,7 +4312,7 @@
           <a:p>
             <a:fld id="{29163D65-E02A-4B65-B5A8-EF7D4B279BF8}" type="datetimeFigureOut">
               <a:rPr lang="de-DE" smtClean="0"/>
-              <a:t>27.03.2022</a:t>
+              <a:t>28.03.2022</a:t>
             </a:fld>
             <a:endParaRPr lang="de-DE"/>
           </a:p>
@@ -4445,7 +4354,7 @@
           <a:p>
             <a:fld id="{14D66CCF-8AC4-4B35-A528-C81FC1C71673}" type="slidenum">
               <a:rPr lang="de-DE" smtClean="0"/>
-              <a:t>‹Nr.›</a:t>
+              <a:t>‹#›</a:t>
             </a:fld>
             <a:endParaRPr lang="de-DE"/>
           </a:p>
@@ -4454,7 +4363,7 @@
     </p:spTree>
     <p:extLst>
       <p:ext uri="{BB962C8B-B14F-4D97-AF65-F5344CB8AC3E}">
-        <p14:creationId xmlns:p14="http://schemas.microsoft.com/office/powerpoint/2010/main" val="580700881"/>
+        <p14:creationId xmlns:p14="http://schemas.microsoft.com/office/powerpoint/2010/main" val="2897908552"/>
       </p:ext>
     </p:extLst>
   </p:cSld>
@@ -4466,7 +4375,7 @@
 
 <file path=ppt/slideLayouts/slideLayout6.xml><?xml version="1.0" encoding="utf-8"?>
 <p:sldLayout xmlns:a="http://schemas.openxmlformats.org/drawingml/2006/main" xmlns:r="http://schemas.openxmlformats.org/officeDocument/2006/relationships" xmlns:p="http://schemas.openxmlformats.org/presentationml/2006/main" type="titleOnly" preserve="1">
-  <p:cSld name="Nur Titel">
+  <p:cSld name="Title Only">
     <p:spTree>
       <p:nvGrpSpPr>
         <p:cNvPr id="1" name=""/>
@@ -4502,8 +4411,8 @@
           <a:lstStyle/>
           <a:p>
             <a:r>
-              <a:rPr lang="de-DE"/>
-              <a:t>Titelmasterformat durch Klicken bearbeiten</a:t>
+              <a:rPr lang="en-US"/>
+              <a:t>Click to edit Master title style</a:t>
             </a:r>
             <a:endParaRPr lang="en-US" dirty="0"/>
           </a:p>
@@ -4526,7 +4435,7 @@
           <a:p>
             <a:fld id="{29163D65-E02A-4B65-B5A8-EF7D4B279BF8}" type="datetimeFigureOut">
               <a:rPr lang="de-DE" smtClean="0"/>
-              <a:t>27.03.2022</a:t>
+              <a:t>28.03.2022</a:t>
             </a:fld>
             <a:endParaRPr lang="de-DE"/>
           </a:p>
@@ -4568,7 +4477,7 @@
           <a:p>
             <a:fld id="{14D66CCF-8AC4-4B35-A528-C81FC1C71673}" type="slidenum">
               <a:rPr lang="de-DE" smtClean="0"/>
-              <a:t>‹Nr.›</a:t>
+              <a:t>‹#›</a:t>
             </a:fld>
             <a:endParaRPr lang="de-DE"/>
           </a:p>
@@ -4577,7 +4486,7 @@
     </p:spTree>
     <p:extLst>
       <p:ext uri="{BB962C8B-B14F-4D97-AF65-F5344CB8AC3E}">
-        <p14:creationId xmlns:p14="http://schemas.microsoft.com/office/powerpoint/2010/main" val="3477701251"/>
+        <p14:creationId xmlns:p14="http://schemas.microsoft.com/office/powerpoint/2010/main" val="3349669277"/>
       </p:ext>
     </p:extLst>
   </p:cSld>
@@ -4589,7 +4498,7 @@
 
 <file path=ppt/slideLayouts/slideLayout7.xml><?xml version="1.0" encoding="utf-8"?>
 <p:sldLayout xmlns:a="http://schemas.openxmlformats.org/drawingml/2006/main" xmlns:r="http://schemas.openxmlformats.org/officeDocument/2006/relationships" xmlns:p="http://schemas.openxmlformats.org/presentationml/2006/main" type="blank" preserve="1">
-  <p:cSld name="Leer">
+  <p:cSld name="Blank">
     <p:spTree>
       <p:nvGrpSpPr>
         <p:cNvPr id="1" name=""/>
@@ -4621,7 +4530,7 @@
           <a:p>
             <a:fld id="{29163D65-E02A-4B65-B5A8-EF7D4B279BF8}" type="datetimeFigureOut">
               <a:rPr lang="de-DE" smtClean="0"/>
-              <a:t>27.03.2022</a:t>
+              <a:t>28.03.2022</a:t>
             </a:fld>
             <a:endParaRPr lang="de-DE"/>
           </a:p>
@@ -4663,7 +4572,7 @@
           <a:p>
             <a:fld id="{14D66CCF-8AC4-4B35-A528-C81FC1C71673}" type="slidenum">
               <a:rPr lang="de-DE" smtClean="0"/>
-              <a:t>‹Nr.›</a:t>
+              <a:t>‹#›</a:t>
             </a:fld>
             <a:endParaRPr lang="de-DE"/>
           </a:p>
@@ -4672,7 +4581,7 @@
     </p:spTree>
     <p:extLst>
       <p:ext uri="{BB962C8B-B14F-4D97-AF65-F5344CB8AC3E}">
-        <p14:creationId xmlns:p14="http://schemas.microsoft.com/office/powerpoint/2010/main" val="1947831855"/>
+        <p14:creationId xmlns:p14="http://schemas.microsoft.com/office/powerpoint/2010/main" val="1418716958"/>
       </p:ext>
     </p:extLst>
   </p:cSld>
@@ -4684,7 +4593,7 @@
 
 <file path=ppt/slideLayouts/slideLayout8.xml><?xml version="1.0" encoding="utf-8"?>
 <p:sldLayout xmlns:a="http://schemas.openxmlformats.org/drawingml/2006/main" xmlns:r="http://schemas.openxmlformats.org/officeDocument/2006/relationships" xmlns:p="http://schemas.openxmlformats.org/presentationml/2006/main" type="objTx" preserve="1">
-  <p:cSld name="Inhalt mit Überschrift">
+  <p:cSld name="Content with Caption">
     <p:spTree>
       <p:nvGrpSpPr>
         <p:cNvPr id="1" name=""/>
@@ -4726,8 +4635,8 @@
           </a:lstStyle>
           <a:p>
             <a:r>
-              <a:rPr lang="de-DE"/>
-              <a:t>Titelmasterformat durch Klicken bearbeiten</a:t>
+              <a:rPr lang="en-US"/>
+              <a:t>Click to edit Master title style</a:t>
             </a:r>
             <a:endParaRPr lang="en-US" dirty="0"/>
           </a:p>
@@ -4757,36 +4666,36 @@
           <a:p>
             <a:pPr lvl="0"/>
             <a:r>
-              <a:rPr lang="de-DE"/>
-              <a:t>Formatvorlagen des Textmasters bearbeiten</a:t>
+              <a:rPr lang="en-US"/>
+              <a:t>Click to edit Master text styles</a:t>
             </a:r>
           </a:p>
           <a:p>
             <a:pPr lvl="1"/>
             <a:r>
-              <a:rPr lang="de-DE"/>
-              <a:t>Zweite Ebene</a:t>
+              <a:rPr lang="en-US"/>
+              <a:t>Second level</a:t>
             </a:r>
           </a:p>
           <a:p>
             <a:pPr lvl="2"/>
             <a:r>
-              <a:rPr lang="de-DE"/>
-              <a:t>Dritte Ebene</a:t>
+              <a:rPr lang="en-US"/>
+              <a:t>Third level</a:t>
             </a:r>
           </a:p>
           <a:p>
             <a:pPr lvl="3"/>
             <a:r>
-              <a:rPr lang="de-DE"/>
-              <a:t>Vierte Ebene</a:t>
+              <a:rPr lang="en-US"/>
+              <a:t>Fourth level</a:t>
             </a:r>
           </a:p>
           <a:p>
             <a:pPr lvl="4"/>
             <a:r>
-              <a:rPr lang="de-DE"/>
-              <a:t>Fünfte Ebene</a:t>
+              <a:rPr lang="en-US"/>
+              <a:t>Fifth level</a:t>
             </a:r>
             <a:endParaRPr lang="en-US" dirty="0"/>
           </a:p>
@@ -4853,8 +4762,8 @@
           <a:p>
             <a:pPr lvl="0"/>
             <a:r>
-              <a:rPr lang="de-DE"/>
-              <a:t>Formatvorlagen des Textmasters bearbeiten</a:t>
+              <a:rPr lang="en-US"/>
+              <a:t>Click to edit Master text styles</a:t>
             </a:r>
           </a:p>
         </p:txBody>
@@ -4876,7 +4785,7 @@
           <a:p>
             <a:fld id="{29163D65-E02A-4B65-B5A8-EF7D4B279BF8}" type="datetimeFigureOut">
               <a:rPr lang="de-DE" smtClean="0"/>
-              <a:t>27.03.2022</a:t>
+              <a:t>28.03.2022</a:t>
             </a:fld>
             <a:endParaRPr lang="de-DE"/>
           </a:p>
@@ -4918,7 +4827,7 @@
           <a:p>
             <a:fld id="{14D66CCF-8AC4-4B35-A528-C81FC1C71673}" type="slidenum">
               <a:rPr lang="de-DE" smtClean="0"/>
-              <a:t>‹Nr.›</a:t>
+              <a:t>‹#›</a:t>
             </a:fld>
             <a:endParaRPr lang="de-DE"/>
           </a:p>
@@ -4927,7 +4836,7 @@
     </p:spTree>
     <p:extLst>
       <p:ext uri="{BB962C8B-B14F-4D97-AF65-F5344CB8AC3E}">
-        <p14:creationId xmlns:p14="http://schemas.microsoft.com/office/powerpoint/2010/main" val="1633751403"/>
+        <p14:creationId xmlns:p14="http://schemas.microsoft.com/office/powerpoint/2010/main" val="3434416169"/>
       </p:ext>
     </p:extLst>
   </p:cSld>
@@ -4939,7 +4848,7 @@
 
 <file path=ppt/slideLayouts/slideLayout9.xml><?xml version="1.0" encoding="utf-8"?>
 <p:sldLayout xmlns:a="http://schemas.openxmlformats.org/drawingml/2006/main" xmlns:r="http://schemas.openxmlformats.org/officeDocument/2006/relationships" xmlns:p="http://schemas.openxmlformats.org/presentationml/2006/main" type="picTx" preserve="1">
-  <p:cSld name="Bild mit Überschrift">
+  <p:cSld name="Picture with Caption">
     <p:spTree>
       <p:nvGrpSpPr>
         <p:cNvPr id="1" name=""/>
@@ -4981,8 +4890,8 @@
           </a:lstStyle>
           <a:p>
             <a:r>
-              <a:rPr lang="de-DE"/>
-              <a:t>Titelmasterformat durch Klicken bearbeiten</a:t>
+              <a:rPr lang="en-US"/>
+              <a:t>Click to edit Master title style</a:t>
             </a:r>
             <a:endParaRPr lang="en-US" dirty="0"/>
           </a:p>
@@ -5048,8 +4957,8 @@
           </a:lstStyle>
           <a:p>
             <a:r>
-              <a:rPr lang="de-DE"/>
-              <a:t>Bild durch Klicken auf Symbol hinzufügen</a:t>
+              <a:rPr lang="en-US"/>
+              <a:t>Click icon to add picture</a:t>
             </a:r>
             <a:endParaRPr lang="en-US" dirty="0"/>
           </a:p>
@@ -5116,8 +5025,8 @@
           <a:p>
             <a:pPr lvl="0"/>
             <a:r>
-              <a:rPr lang="de-DE"/>
-              <a:t>Formatvorlagen des Textmasters bearbeiten</a:t>
+              <a:rPr lang="en-US"/>
+              <a:t>Click to edit Master text styles</a:t>
             </a:r>
           </a:p>
         </p:txBody>
@@ -5139,7 +5048,7 @@
           <a:p>
             <a:fld id="{29163D65-E02A-4B65-B5A8-EF7D4B279BF8}" type="datetimeFigureOut">
               <a:rPr lang="de-DE" smtClean="0"/>
-              <a:t>27.03.2022</a:t>
+              <a:t>28.03.2022</a:t>
             </a:fld>
             <a:endParaRPr lang="de-DE"/>
           </a:p>
@@ -5181,7 +5090,7 @@
           <a:p>
             <a:fld id="{14D66CCF-8AC4-4B35-A528-C81FC1C71673}" type="slidenum">
               <a:rPr lang="de-DE" smtClean="0"/>
-              <a:t>‹Nr.›</a:t>
+              <a:t>‹#›</a:t>
             </a:fld>
             <a:endParaRPr lang="de-DE"/>
           </a:p>
@@ -5190,7 +5099,7 @@
     </p:spTree>
     <p:extLst>
       <p:ext uri="{BB962C8B-B14F-4D97-AF65-F5344CB8AC3E}">
-        <p14:creationId xmlns:p14="http://schemas.microsoft.com/office/powerpoint/2010/main" val="1791629950"/>
+        <p14:creationId xmlns:p14="http://schemas.microsoft.com/office/powerpoint/2010/main" val="3095211361"/>
       </p:ext>
     </p:extLst>
   </p:cSld>
@@ -5231,9 +5140,9 @@
         <p:grpSpPr>
           <a:xfrm>
             <a:off x="-8467" y="-8468"/>
-            <a:ext cx="9171317" cy="6874935"/>
+            <a:ext cx="9169805" cy="6874935"/>
             <a:chOff x="-8467" y="-8468"/>
-            <a:chExt cx="9171317" cy="6874935"/>
+            <a:chExt cx="9169805" cy="6874935"/>
           </a:xfrm>
         </p:grpSpPr>
         <p:sp>
@@ -5275,7 +5184,7 @@
             </a:custGeom>
             <a:solidFill>
               <a:schemeClr val="accent1">
-                <a:alpha val="70000"/>
+                <a:alpha val="85000"/>
               </a:schemeClr>
             </a:solidFill>
             <a:ln>
@@ -5314,8 +5223,8 @@
             </a:prstGeom>
             <a:ln w="9525">
               <a:solidFill>
-                <a:schemeClr val="accent1">
-                  <a:alpha val="70000"/>
+                <a:schemeClr val="bg1">
+                  <a:lumMod val="85000"/>
                 </a:schemeClr>
               </a:solidFill>
             </a:ln>
@@ -5351,8 +5260,8 @@
             </a:prstGeom>
             <a:ln w="9525">
               <a:solidFill>
-                <a:schemeClr val="accent1">
-                  <a:alpha val="70000"/>
+                <a:schemeClr val="bg1">
+                  <a:lumMod val="75000"/>
                 </a:schemeClr>
               </a:solidFill>
             </a:ln>
@@ -5414,7 +5323,7 @@
             </a:custGeom>
             <a:solidFill>
               <a:schemeClr val="accent1">
-                <a:alpha val="36000"/>
+                <a:alpha val="30000"/>
               </a:schemeClr>
             </a:solidFill>
             <a:ln>
@@ -5540,9 +5449,8 @@
               </a:pathLst>
             </a:custGeom>
             <a:solidFill>
-              <a:schemeClr val="accent1">
-                <a:lumMod val="75000"/>
-                <a:alpha val="66000"/>
+              <a:schemeClr val="accent2">
+                <a:alpha val="72000"/>
               </a:schemeClr>
             </a:solidFill>
             <a:ln>
@@ -5604,9 +5512,9 @@
               </a:pathLst>
             </a:custGeom>
             <a:solidFill>
-              <a:schemeClr val="accent1">
+              <a:schemeClr val="accent2">
                 <a:lumMod val="75000"/>
-                <a:alpha val="50000"/>
+                <a:alpha val="70000"/>
               </a:schemeClr>
             </a:solidFill>
             <a:ln>
@@ -5670,7 +5578,9 @@
               </a:pathLst>
             </a:custGeom>
             <a:solidFill>
-              <a:schemeClr val="accent2">
+              <a:schemeClr val="accent1">
+                <a:lumMod val="60000"/>
+                <a:lumOff val="40000"/>
                 <a:alpha val="70000"/>
               </a:schemeClr>
             </a:solidFill>
@@ -5702,7 +5612,7 @@
           </p:nvSpPr>
           <p:spPr>
             <a:xfrm>
-              <a:off x="8094165" y="-8468"/>
+              <a:off x="8077231" y="-8468"/>
               <a:ext cx="1066770" cy="6866467"/>
             </a:xfrm>
             <a:custGeom>
@@ -5735,9 +5645,8 @@
               </a:pathLst>
             </a:custGeom>
             <a:solidFill>
-              <a:schemeClr val="accent2">
-                <a:lumMod val="75000"/>
-                <a:alpha val="82000"/>
+              <a:schemeClr val="accent1">
+                <a:alpha val="65000"/>
               </a:schemeClr>
             </a:solidFill>
             <a:ln>
@@ -5768,7 +5677,7 @@
           </p:nvSpPr>
           <p:spPr>
             <a:xfrm>
-              <a:off x="8068764" y="4893733"/>
+              <a:off x="8060297" y="4893733"/>
               <a:ext cx="1094086" cy="1964267"/>
             </a:xfrm>
             <a:custGeom>
@@ -5799,8 +5708,7 @@
             </a:custGeom>
             <a:solidFill>
               <a:schemeClr val="accent1">
-                <a:lumMod val="75000"/>
-                <a:alpha val="66000"/>
+                <a:alpha val="80000"/>
               </a:schemeClr>
             </a:solidFill>
             <a:ln>
@@ -5850,8 +5758,8 @@
           <a:lstStyle/>
           <a:p>
             <a:r>
-              <a:rPr lang="de-DE"/>
-              <a:t>Titelmasterformat durch Klicken bearbeiten</a:t>
+              <a:rPr lang="en-US"/>
+              <a:t>Click to edit Master title style</a:t>
             </a:r>
             <a:endParaRPr lang="en-US" dirty="0"/>
           </a:p>
@@ -5884,36 +5792,36 @@
           <a:p>
             <a:pPr lvl="0"/>
             <a:r>
-              <a:rPr lang="de-DE"/>
-              <a:t>Formatvorlagen des Textmasters bearbeiten</a:t>
+              <a:rPr lang="en-US"/>
+              <a:t>Click to edit Master text styles</a:t>
             </a:r>
           </a:p>
           <a:p>
             <a:pPr lvl="1"/>
             <a:r>
-              <a:rPr lang="de-DE"/>
-              <a:t>Zweite Ebene</a:t>
+              <a:rPr lang="en-US"/>
+              <a:t>Second level</a:t>
             </a:r>
           </a:p>
           <a:p>
             <a:pPr lvl="2"/>
             <a:r>
-              <a:rPr lang="de-DE"/>
-              <a:t>Dritte Ebene</a:t>
+              <a:rPr lang="en-US"/>
+              <a:t>Third level</a:t>
             </a:r>
           </a:p>
           <a:p>
             <a:pPr lvl="3"/>
             <a:r>
-              <a:rPr lang="de-DE"/>
-              <a:t>Vierte Ebene</a:t>
+              <a:rPr lang="en-US"/>
+              <a:t>Fourth level</a:t>
             </a:r>
           </a:p>
           <a:p>
             <a:pPr lvl="4"/>
             <a:r>
-              <a:rPr lang="de-DE"/>
-              <a:t>Fünfte Ebene</a:t>
+              <a:rPr lang="en-US"/>
+              <a:t>Fifth level</a:t>
             </a:r>
             <a:endParaRPr lang="en-US" dirty="0"/>
           </a:p>
@@ -5954,7 +5862,7 @@
           <a:p>
             <a:fld id="{29163D65-E02A-4B65-B5A8-EF7D4B279BF8}" type="datetimeFigureOut">
               <a:rPr lang="de-DE" smtClean="0"/>
-              <a:t>27.03.2022</a:t>
+              <a:t>28.03.2022</a:t>
             </a:fld>
             <a:endParaRPr lang="de-DE"/>
           </a:p>
@@ -6030,7 +5938,7 @@
           <a:p>
             <a:fld id="{14D66CCF-8AC4-4B35-A528-C81FC1C71673}" type="slidenum">
               <a:rPr lang="de-DE" smtClean="0"/>
-              <a:t>‹Nr.›</a:t>
+              <a:t>‹#›</a:t>
             </a:fld>
             <a:endParaRPr lang="de-DE"/>
           </a:p>
@@ -6039,28 +5947,28 @@
     </p:spTree>
     <p:extLst>
       <p:ext uri="{BB962C8B-B14F-4D97-AF65-F5344CB8AC3E}">
-        <p14:creationId xmlns:p14="http://schemas.microsoft.com/office/powerpoint/2010/main" val="3484697691"/>
+        <p14:creationId xmlns:p14="http://schemas.microsoft.com/office/powerpoint/2010/main" val="54061784"/>
       </p:ext>
     </p:extLst>
   </p:cSld>
   <p:clrMap bg1="lt1" tx1="dk1" bg2="lt2" tx2="dk2" accent1="accent1" accent2="accent2" accent3="accent3" accent4="accent4" accent5="accent5" accent6="accent6" hlink="hlink" folHlink="folHlink"/>
   <p:sldLayoutIdLst>
-    <p:sldLayoutId id="2147483831" r:id="rId1"/>
-    <p:sldLayoutId id="2147483832" r:id="rId2"/>
-    <p:sldLayoutId id="2147483833" r:id="rId3"/>
-    <p:sldLayoutId id="2147483834" r:id="rId4"/>
-    <p:sldLayoutId id="2147483835" r:id="rId5"/>
-    <p:sldLayoutId id="2147483836" r:id="rId6"/>
-    <p:sldLayoutId id="2147483837" r:id="rId7"/>
-    <p:sldLayoutId id="2147483838" r:id="rId8"/>
-    <p:sldLayoutId id="2147483839" r:id="rId9"/>
-    <p:sldLayoutId id="2147483840" r:id="rId10"/>
-    <p:sldLayoutId id="2147483841" r:id="rId11"/>
-    <p:sldLayoutId id="2147483842" r:id="rId12"/>
-    <p:sldLayoutId id="2147483843" r:id="rId13"/>
-    <p:sldLayoutId id="2147483844" r:id="rId14"/>
-    <p:sldLayoutId id="2147483845" r:id="rId15"/>
-    <p:sldLayoutId id="2147483846" r:id="rId16"/>
+    <p:sldLayoutId id="2147483848" r:id="rId1"/>
+    <p:sldLayoutId id="2147483849" r:id="rId2"/>
+    <p:sldLayoutId id="2147483850" r:id="rId3"/>
+    <p:sldLayoutId id="2147483851" r:id="rId4"/>
+    <p:sldLayoutId id="2147483852" r:id="rId5"/>
+    <p:sldLayoutId id="2147483853" r:id="rId6"/>
+    <p:sldLayoutId id="2147483854" r:id="rId7"/>
+    <p:sldLayoutId id="2147483855" r:id="rId8"/>
+    <p:sldLayoutId id="2147483856" r:id="rId9"/>
+    <p:sldLayoutId id="2147483857" r:id="rId10"/>
+    <p:sldLayoutId id="2147483858" r:id="rId11"/>
+    <p:sldLayoutId id="2147483859" r:id="rId12"/>
+    <p:sldLayoutId id="2147483860" r:id="rId13"/>
+    <p:sldLayoutId id="2147483861" r:id="rId14"/>
+    <p:sldLayoutId id="2147483862" r:id="rId15"/>
+    <p:sldLayoutId id="2147483863" r:id="rId16"/>
   </p:sldLayoutIdLst>
   <p:txStyles>
     <p:titleStyle>
@@ -6483,66 +6391,71 @@
           <a:chExt cx="0" cy="0"/>
         </a:xfrm>
       </p:grpSpPr>
-      <p:sp>
-        <p:nvSpPr>
-          <p:cNvPr id="2" name="Titel 1"/>
-          <p:cNvSpPr>
-            <a:spLocks noGrp="1"/>
-          </p:cNvSpPr>
-          <p:nvPr>
-            <p:ph type="ctrTitle"/>
-          </p:nvPr>
-        </p:nvSpPr>
+      <p:pic>
+        <p:nvPicPr>
+          <p:cNvPr id="4" name="Picture 3">
+            <a:extLst>
+              <a:ext uri="{FF2B5EF4-FFF2-40B4-BE49-F238E27FC236}">
+                <a16:creationId xmlns:a16="http://schemas.microsoft.com/office/drawing/2014/main" id="{5F836296-0E44-4147-9510-8FC776A2B95C}"/>
+              </a:ext>
+            </a:extLst>
+          </p:cNvPr>
+          <p:cNvPicPr>
+            <a:picLocks noChangeAspect="1"/>
+          </p:cNvPicPr>
+          <p:nvPr/>
+        </p:nvPicPr>
+        <p:blipFill>
+          <a:blip r:embed="rId2"/>
+          <a:stretch>
+            <a:fillRect/>
+          </a:stretch>
+        </p:blipFill>
         <p:spPr>
           <a:xfrm>
-            <a:off x="1130595" y="2404534"/>
-            <a:ext cx="6468069" cy="1646302"/>
+            <a:off x="-282708" y="1593830"/>
+            <a:ext cx="9795266" cy="5264170"/>
           </a:xfrm>
+          <a:prstGeom prst="rect">
+            <a:avLst/>
+          </a:prstGeom>
         </p:spPr>
-        <p:txBody>
-          <a:bodyPr/>
-          <a:lstStyle/>
-          <a:p>
-            <a:r>
-              <a:rPr lang="de-DE" sz="6000" dirty="0">
+      </p:pic>
+      <p:sp>
+        <p:nvSpPr>
+          <p:cNvPr id="5" name="TextBox 4">
+            <a:extLst>
+              <a:ext uri="{FF2B5EF4-FFF2-40B4-BE49-F238E27FC236}">
+                <a16:creationId xmlns:a16="http://schemas.microsoft.com/office/drawing/2014/main" id="{EF578E33-511D-4E33-8BD2-677DCF820A95}"/>
+              </a:ext>
+            </a:extLst>
+          </p:cNvPr>
+          <p:cNvSpPr txBox="1"/>
+          <p:nvPr/>
+        </p:nvSpPr>
+        <p:spPr>
+          <a:xfrm>
+            <a:off x="1651518" y="461866"/>
+            <a:ext cx="3900196" cy="769441"/>
+          </a:xfrm>
+          <a:prstGeom prst="rect">
+            <a:avLst/>
+          </a:prstGeom>
+          <a:noFill/>
+        </p:spPr>
+        <p:txBody>
+          <a:bodyPr wrap="square" rtlCol="0">
+            <a:spAutoFit/>
+          </a:bodyPr>
+          <a:lstStyle/>
+          <a:p>
+            <a:r>
+              <a:rPr lang="de-AT" sz="4400" u="sng" dirty="0">
                 <a:solidFill>
-                  <a:schemeClr val="tx1"/>
+                  <a:schemeClr val="accent1"/>
                 </a:solidFill>
               </a:rPr>
-              <a:t>Bundesministerien</a:t>
-            </a:r>
-            <a:endParaRPr lang="de-DE" dirty="0">
-              <a:solidFill>
-                <a:schemeClr val="tx1"/>
-              </a:solidFill>
-            </a:endParaRPr>
-          </a:p>
-        </p:txBody>
-      </p:sp>
-      <p:sp>
-        <p:nvSpPr>
-          <p:cNvPr id="3" name="Untertitel 2"/>
-          <p:cNvSpPr>
-            <a:spLocks noGrp="1"/>
-          </p:cNvSpPr>
-          <p:nvPr>
-            <p:ph type="subTitle" idx="1"/>
-          </p:nvPr>
-        </p:nvSpPr>
-        <p:spPr>
-          <a:xfrm>
-            <a:off x="1312817" y="4050836"/>
-            <a:ext cx="5462275" cy="1096899"/>
-          </a:xfrm>
-        </p:spPr>
-        <p:txBody>
-          <a:bodyPr/>
-          <a:lstStyle/>
-          <a:p>
-            <a:pPr algn="l"/>
-            <a:r>
-              <a:rPr lang="de-DE" dirty="0"/>
-              <a:t>3aAPC – LG3 2022</a:t>
+              <a:t>Organigramm</a:t>
             </a:r>
           </a:p>
         </p:txBody>
@@ -6550,7 +6463,7 @@
     </p:spTree>
     <p:extLst>
       <p:ext uri="{BB962C8B-B14F-4D97-AF65-F5344CB8AC3E}">
-        <p14:creationId xmlns:p14="http://schemas.microsoft.com/office/powerpoint/2010/main" val="2257362734"/>
+        <p14:creationId xmlns:p14="http://schemas.microsoft.com/office/powerpoint/2010/main" val="2389745536"/>
       </p:ext>
     </p:extLst>
   </p:cSld>
@@ -6579,12 +6492,51 @@
       </p:grpSpPr>
       <p:sp>
         <p:nvSpPr>
-          <p:cNvPr id="2" name="Titel 1"/>
-          <p:cNvSpPr>
-            <a:spLocks noGrp="1"/>
-          </p:cNvSpPr>
-          <p:nvPr>
-            <p:ph type="ctrTitle"/>
+          <p:cNvPr id="2" name="Title 1">
+            <a:extLst>
+              <a:ext uri="{FF2B5EF4-FFF2-40B4-BE49-F238E27FC236}">
+                <a16:creationId xmlns:a16="http://schemas.microsoft.com/office/drawing/2014/main" id="{68DE2C15-FDEA-4F98-9C29-668036888F61}"/>
+              </a:ext>
+            </a:extLst>
+          </p:cNvPr>
+          <p:cNvSpPr>
+            <a:spLocks noGrp="1"/>
+          </p:cNvSpPr>
+          <p:nvPr>
+            <p:ph type="title"/>
+          </p:nvPr>
+        </p:nvSpPr>
+        <p:spPr>
+          <a:xfrm>
+            <a:off x="685799" y="207264"/>
+            <a:ext cx="6347713" cy="1320800"/>
+          </a:xfrm>
+        </p:spPr>
+        <p:txBody>
+          <a:bodyPr/>
+          <a:lstStyle/>
+          <a:p>
+            <a:r>
+              <a:rPr lang="de-AT" dirty="0"/>
+              <a:t>Präsidium und Internationale Angelegenheiten</a:t>
+            </a:r>
+          </a:p>
+        </p:txBody>
+      </p:sp>
+      <p:sp>
+        <p:nvSpPr>
+          <p:cNvPr id="3" name="Content Placeholder 2">
+            <a:extLst>
+              <a:ext uri="{FF2B5EF4-FFF2-40B4-BE49-F238E27FC236}">
+                <a16:creationId xmlns:a16="http://schemas.microsoft.com/office/drawing/2014/main" id="{A112129B-384C-4C0F-9CCD-4CF5E87409C2}"/>
+              </a:ext>
+            </a:extLst>
+          </p:cNvPr>
+          <p:cNvSpPr>
+            <a:spLocks noGrp="1"/>
+          </p:cNvSpPr>
+          <p:nvPr>
+            <p:ph idx="1"/>
           </p:nvPr>
         </p:nvSpPr>
         <p:spPr/>
@@ -6592,51 +6544,14 @@
           <a:bodyPr/>
           <a:lstStyle/>
           <a:p>
-            <a:r>
-              <a:rPr lang="de-DE" sz="4400" dirty="0"/>
-              <a:t>Bundesministerium</a:t>
-            </a:r>
-            <a:br>
-              <a:rPr lang="de-DE" sz="4400" dirty="0"/>
-            </a:br>
-            <a:r>
-              <a:rPr lang="de-DE" sz="4400" dirty="0"/>
-              <a:t>für </a:t>
-            </a:r>
-            <a:r>
-              <a:rPr lang="de-DE" sz="4400" i="1" dirty="0" err="1"/>
-              <a:t>asdf</a:t>
-            </a:r>
-            <a:endParaRPr lang="de-DE" sz="4000" i="1" dirty="0"/>
-          </a:p>
-        </p:txBody>
-      </p:sp>
-      <p:sp>
-        <p:nvSpPr>
-          <p:cNvPr id="3" name="Untertitel 2"/>
-          <p:cNvSpPr>
-            <a:spLocks noGrp="1"/>
-          </p:cNvSpPr>
-          <p:nvPr>
-            <p:ph type="subTitle" idx="1"/>
-          </p:nvPr>
-        </p:nvSpPr>
-        <p:spPr/>
-        <p:txBody>
-          <a:bodyPr/>
-          <a:lstStyle/>
-          <a:p>
-            <a:r>
-              <a:rPr lang="de-DE" dirty="0"/>
-              <a:t>Gruppe X – Name1 – Name2 – Name3</a:t>
-            </a:r>
+            <a:endParaRPr lang="de-AT" dirty="0"/>
           </a:p>
         </p:txBody>
       </p:sp>
     </p:spTree>
     <p:extLst>
       <p:ext uri="{BB962C8B-B14F-4D97-AF65-F5344CB8AC3E}">
-        <p14:creationId xmlns:p14="http://schemas.microsoft.com/office/powerpoint/2010/main" val="1346775198"/>
+        <p14:creationId xmlns:p14="http://schemas.microsoft.com/office/powerpoint/2010/main" val="2821292857"/>
       </p:ext>
     </p:extLst>
   </p:cSld>
@@ -6665,7 +6580,13 @@
       </p:grpSpPr>
       <p:sp>
         <p:nvSpPr>
-          <p:cNvPr id="2" name="Titel 1"/>
+          <p:cNvPr id="2" name="Title 1">
+            <a:extLst>
+              <a:ext uri="{FF2B5EF4-FFF2-40B4-BE49-F238E27FC236}">
+                <a16:creationId xmlns:a16="http://schemas.microsoft.com/office/drawing/2014/main" id="{3FEDA017-9AA4-42D8-86D5-2568358CF67B}"/>
+              </a:ext>
+            </a:extLst>
+          </p:cNvPr>
           <p:cNvSpPr>
             <a:spLocks noGrp="1"/>
           </p:cNvSpPr>
@@ -6679,27 +6600,21 @@
           <a:lstStyle/>
           <a:p>
             <a:r>
-              <a:rPr lang="de-DE" sz="3600" dirty="0"/>
-              <a:t>Bundesministerium</a:t>
-            </a:r>
-            <a:br>
-              <a:rPr lang="de-DE" sz="3600" dirty="0"/>
-            </a:br>
-            <a:r>
-              <a:rPr lang="de-DE" sz="3600" dirty="0"/>
-              <a:t>für </a:t>
-            </a:r>
-            <a:r>
-              <a:rPr lang="de-DE" sz="3600" i="1" dirty="0" err="1"/>
-              <a:t>asdf</a:t>
-            </a:r>
-            <a:endParaRPr lang="de-DE" i="1" dirty="0"/>
-          </a:p>
-        </p:txBody>
-      </p:sp>
-      <p:sp>
-        <p:nvSpPr>
-          <p:cNvPr id="3" name="Inhaltsplatzhalter 2"/>
+              <a:rPr lang="de-AT" dirty="0"/>
+              <a:t>Mobilität</a:t>
+            </a:r>
+          </a:p>
+        </p:txBody>
+      </p:sp>
+      <p:sp>
+        <p:nvSpPr>
+          <p:cNvPr id="3" name="Content Placeholder 2">
+            <a:extLst>
+              <a:ext uri="{FF2B5EF4-FFF2-40B4-BE49-F238E27FC236}">
+                <a16:creationId xmlns:a16="http://schemas.microsoft.com/office/drawing/2014/main" id="{4C606C83-83DF-4C12-BCD1-53A5D7D383EB}"/>
+              </a:ext>
+            </a:extLst>
+          </p:cNvPr>
           <p:cNvSpPr>
             <a:spLocks noGrp="1"/>
           </p:cNvSpPr>
@@ -6709,40 +6624,17 @@
         </p:nvSpPr>
         <p:spPr/>
         <p:txBody>
-          <a:bodyPr>
-            <a:normAutofit/>
-          </a:bodyPr>
-          <a:lstStyle/>
-          <a:p>
-            <a:r>
-              <a:rPr lang="de-DE" sz="2100" dirty="0"/>
-              <a:t>Aufgaben</a:t>
-            </a:r>
-          </a:p>
-          <a:p>
-            <a:r>
-              <a:rPr lang="de-DE" sz="2100" dirty="0"/>
-              <a:t>Zuständigkeiten</a:t>
-            </a:r>
-          </a:p>
-          <a:p>
-            <a:r>
-              <a:rPr lang="de-DE" sz="2100" dirty="0"/>
-              <a:t>Sitz, Organisation, …</a:t>
-            </a:r>
-          </a:p>
-          <a:p>
-            <a:r>
-              <a:rPr lang="de-DE" sz="2100" dirty="0"/>
-              <a:t>Sonstiges interessantes …</a:t>
-            </a:r>
+          <a:bodyPr/>
+          <a:lstStyle/>
+          <a:p>
+            <a:endParaRPr lang="de-AT"/>
           </a:p>
         </p:txBody>
       </p:sp>
     </p:spTree>
     <p:extLst>
       <p:ext uri="{BB962C8B-B14F-4D97-AF65-F5344CB8AC3E}">
-        <p14:creationId xmlns:p14="http://schemas.microsoft.com/office/powerpoint/2010/main" val="1256452095"/>
+        <p14:creationId xmlns:p14="http://schemas.microsoft.com/office/powerpoint/2010/main" val="793953204"/>
       </p:ext>
     </p:extLst>
   </p:cSld>
@@ -6771,132 +6663,319 @@
       </p:grpSpPr>
       <p:sp>
         <p:nvSpPr>
-          <p:cNvPr id="2" name="Titel 1"/>
-          <p:cNvSpPr>
-            <a:spLocks noGrp="1"/>
-          </p:cNvSpPr>
-          <p:nvPr>
-            <p:ph type="title"/>
-          </p:nvPr>
-        </p:nvSpPr>
-        <p:spPr/>
-        <p:txBody>
-          <a:bodyPr/>
-          <a:lstStyle/>
-          <a:p>
-            <a:r>
-              <a:rPr lang="de-DE" sz="3600" dirty="0"/>
-              <a:t>Bundesministerium für </a:t>
-            </a:r>
-            <a:r>
-              <a:rPr lang="de-DE" sz="3600" i="1" dirty="0" err="1"/>
-              <a:t>asdf</a:t>
-            </a:r>
-            <a:br>
-              <a:rPr lang="de-DE" sz="3600" dirty="0"/>
-            </a:br>
-            <a:r>
-              <a:rPr lang="de-DE" sz="3600" dirty="0"/>
-              <a:t>Minister und Staatssekretäre</a:t>
-            </a:r>
-            <a:endParaRPr lang="de-DE" dirty="0"/>
-          </a:p>
-        </p:txBody>
-      </p:sp>
-      <p:sp>
-        <p:nvSpPr>
-          <p:cNvPr id="3" name="Inhaltsplatzhalter 2"/>
-          <p:cNvSpPr>
-            <a:spLocks noGrp="1"/>
-          </p:cNvSpPr>
-          <p:nvPr>
-            <p:ph idx="1"/>
-          </p:nvPr>
-        </p:nvSpPr>
-        <p:spPr/>
-        <p:txBody>
-          <a:bodyPr>
-            <a:normAutofit/>
-          </a:bodyPr>
-          <a:lstStyle/>
-          <a:p>
-            <a:r>
-              <a:rPr lang="de-DE" sz="2100" dirty="0"/>
-              <a:t>Name, Familienstand, …</a:t>
-            </a:r>
-          </a:p>
-          <a:p>
-            <a:r>
-              <a:rPr lang="de-DE" sz="2100" dirty="0"/>
-              <a:t>Amt</a:t>
-            </a:r>
-          </a:p>
-          <a:p>
-            <a:r>
-              <a:rPr lang="de-DE" sz="2100" dirty="0"/>
-              <a:t>Persönlicher und beruflicher Werdegang</a:t>
-            </a:r>
-          </a:p>
-          <a:p>
-            <a:r>
-              <a:rPr lang="de-DE" sz="2100" dirty="0"/>
-              <a:t>Partei</a:t>
-            </a:r>
-          </a:p>
-          <a:p>
-            <a:r>
-              <a:rPr lang="de-DE" sz="2100" dirty="0"/>
-              <a:t>Interessantes zur Person</a:t>
-            </a:r>
-          </a:p>
-          <a:p>
-            <a:r>
-              <a:rPr lang="de-DE" sz="2100" dirty="0"/>
-              <a:t>…</a:t>
-            </a:r>
-          </a:p>
-        </p:txBody>
-      </p:sp>
-      <p:pic>
-        <p:nvPicPr>
-          <p:cNvPr id="7" name="Grafik 6" descr="Ein Bild, das Person, Mann, Anzug, Schlips enthält.&#10;&#10;Automatisch generierte Beschreibung">
+          <p:cNvPr id="2" name="Title 1">
             <a:extLst>
               <a:ext uri="{FF2B5EF4-FFF2-40B4-BE49-F238E27FC236}">
-                <a16:creationId xmlns:a16="http://schemas.microsoft.com/office/drawing/2014/main" id="{6A95B845-F31E-48D3-8790-28A836837576}"/>
+                <a16:creationId xmlns:a16="http://schemas.microsoft.com/office/drawing/2014/main" id="{4D11495D-5926-4BFA-8D15-51827D5F8FA3}"/>
               </a:ext>
             </a:extLst>
           </p:cNvPr>
-          <p:cNvPicPr>
-            <a:picLocks noChangeAspect="1"/>
-          </p:cNvPicPr>
-          <p:nvPr/>
-        </p:nvPicPr>
-        <p:blipFill>
-          <a:blip r:embed="rId2">
+          <p:cNvSpPr>
+            <a:spLocks noGrp="1"/>
+          </p:cNvSpPr>
+          <p:nvPr>
+            <p:ph type="title"/>
+          </p:nvPr>
+        </p:nvSpPr>
+        <p:spPr/>
+        <p:txBody>
+          <a:bodyPr/>
+          <a:lstStyle/>
+          <a:p>
+            <a:r>
+              <a:rPr lang="de-AT" dirty="0"/>
+              <a:t>Innovation und Technologie</a:t>
+            </a:r>
+          </a:p>
+        </p:txBody>
+      </p:sp>
+      <p:sp>
+        <p:nvSpPr>
+          <p:cNvPr id="3" name="Content Placeholder 2">
             <a:extLst>
-              <a:ext uri="{28A0092B-C50C-407E-A947-70E740481C1C}">
-                <a14:useLocalDpi xmlns:a14="http://schemas.microsoft.com/office/drawing/2010/main" val="0"/>
+              <a:ext uri="{FF2B5EF4-FFF2-40B4-BE49-F238E27FC236}">
+                <a16:creationId xmlns:a16="http://schemas.microsoft.com/office/drawing/2014/main" id="{F460BD26-7111-4DD8-BDAB-A64331568220}"/>
               </a:ext>
             </a:extLst>
-          </a:blip>
-          <a:stretch>
-            <a:fillRect/>
-          </a:stretch>
-        </p:blipFill>
-        <p:spPr>
-          <a:xfrm>
-            <a:off x="6526238" y="1930399"/>
-            <a:ext cx="2088968" cy="2785291"/>
-          </a:xfrm>
-          <a:prstGeom prst="rect">
-            <a:avLst/>
-          </a:prstGeom>
-        </p:spPr>
-      </p:pic>
+          </p:cNvPr>
+          <p:cNvSpPr>
+            <a:spLocks noGrp="1"/>
+          </p:cNvSpPr>
+          <p:nvPr>
+            <p:ph idx="1"/>
+          </p:nvPr>
+        </p:nvSpPr>
+        <p:spPr/>
+        <p:txBody>
+          <a:bodyPr/>
+          <a:lstStyle/>
+          <a:p>
+            <a:endParaRPr lang="de-AT"/>
+          </a:p>
+        </p:txBody>
+      </p:sp>
     </p:spTree>
     <p:extLst>
       <p:ext uri="{BB962C8B-B14F-4D97-AF65-F5344CB8AC3E}">
-        <p14:creationId xmlns:p14="http://schemas.microsoft.com/office/powerpoint/2010/main" val="1615113626"/>
+        <p14:creationId xmlns:p14="http://schemas.microsoft.com/office/powerpoint/2010/main" val="343625934"/>
+      </p:ext>
+    </p:extLst>
+  </p:cSld>
+  <p:clrMapOvr>
+    <a:masterClrMapping/>
+  </p:clrMapOvr>
+</p:sld>
+</file>
+
+<file path=ppt/slides/slide5.xml><?xml version="1.0" encoding="utf-8"?>
+<p:sld xmlns:a="http://schemas.openxmlformats.org/drawingml/2006/main" xmlns:r="http://schemas.openxmlformats.org/officeDocument/2006/relationships" xmlns:p="http://schemas.openxmlformats.org/presentationml/2006/main">
+  <p:cSld>
+    <p:spTree>
+      <p:nvGrpSpPr>
+        <p:cNvPr id="1" name=""/>
+        <p:cNvGrpSpPr/>
+        <p:nvPr/>
+      </p:nvGrpSpPr>
+      <p:grpSpPr>
+        <a:xfrm>
+          <a:off x="0" y="0"/>
+          <a:ext cx="0" cy="0"/>
+          <a:chOff x="0" y="0"/>
+          <a:chExt cx="0" cy="0"/>
+        </a:xfrm>
+      </p:grpSpPr>
+      <p:sp>
+        <p:nvSpPr>
+          <p:cNvPr id="2" name="Title 1">
+            <a:extLst>
+              <a:ext uri="{FF2B5EF4-FFF2-40B4-BE49-F238E27FC236}">
+                <a16:creationId xmlns:a16="http://schemas.microsoft.com/office/drawing/2014/main" id="{918267F1-0448-4A1A-B4A3-648129B00C82}"/>
+              </a:ext>
+            </a:extLst>
+          </p:cNvPr>
+          <p:cNvSpPr>
+            <a:spLocks noGrp="1"/>
+          </p:cNvSpPr>
+          <p:nvPr>
+            <p:ph type="title"/>
+          </p:nvPr>
+        </p:nvSpPr>
+        <p:spPr/>
+        <p:txBody>
+          <a:bodyPr/>
+          <a:lstStyle/>
+          <a:p>
+            <a:r>
+              <a:rPr lang="de-AT" dirty="0"/>
+              <a:t>Verkehr</a:t>
+            </a:r>
+          </a:p>
+        </p:txBody>
+      </p:sp>
+      <p:sp>
+        <p:nvSpPr>
+          <p:cNvPr id="3" name="Content Placeholder 2">
+            <a:extLst>
+              <a:ext uri="{FF2B5EF4-FFF2-40B4-BE49-F238E27FC236}">
+                <a16:creationId xmlns:a16="http://schemas.microsoft.com/office/drawing/2014/main" id="{82AE250A-B486-4F08-A7D7-574C078A6D16}"/>
+              </a:ext>
+            </a:extLst>
+          </p:cNvPr>
+          <p:cNvSpPr>
+            <a:spLocks noGrp="1"/>
+          </p:cNvSpPr>
+          <p:nvPr>
+            <p:ph idx="1"/>
+          </p:nvPr>
+        </p:nvSpPr>
+        <p:spPr/>
+        <p:txBody>
+          <a:bodyPr/>
+          <a:lstStyle/>
+          <a:p>
+            <a:endParaRPr lang="de-AT"/>
+          </a:p>
+        </p:txBody>
+      </p:sp>
+    </p:spTree>
+    <p:extLst>
+      <p:ext uri="{BB962C8B-B14F-4D97-AF65-F5344CB8AC3E}">
+        <p14:creationId xmlns:p14="http://schemas.microsoft.com/office/powerpoint/2010/main" val="1769874994"/>
+      </p:ext>
+    </p:extLst>
+  </p:cSld>
+  <p:clrMapOvr>
+    <a:masterClrMapping/>
+  </p:clrMapOvr>
+</p:sld>
+</file>
+
+<file path=ppt/slides/slide6.xml><?xml version="1.0" encoding="utf-8"?>
+<p:sld xmlns:a="http://schemas.openxmlformats.org/drawingml/2006/main" xmlns:r="http://schemas.openxmlformats.org/officeDocument/2006/relationships" xmlns:p="http://schemas.openxmlformats.org/presentationml/2006/main">
+  <p:cSld>
+    <p:spTree>
+      <p:nvGrpSpPr>
+        <p:cNvPr id="1" name=""/>
+        <p:cNvGrpSpPr/>
+        <p:nvPr/>
+      </p:nvGrpSpPr>
+      <p:grpSpPr>
+        <a:xfrm>
+          <a:off x="0" y="0"/>
+          <a:ext cx="0" cy="0"/>
+          <a:chOff x="0" y="0"/>
+          <a:chExt cx="0" cy="0"/>
+        </a:xfrm>
+      </p:grpSpPr>
+      <p:sp>
+        <p:nvSpPr>
+          <p:cNvPr id="2" name="Title 1">
+            <a:extLst>
+              <a:ext uri="{FF2B5EF4-FFF2-40B4-BE49-F238E27FC236}">
+                <a16:creationId xmlns:a16="http://schemas.microsoft.com/office/drawing/2014/main" id="{3706120A-8602-406D-A410-9A94CDCD45F3}"/>
+              </a:ext>
+            </a:extLst>
+          </p:cNvPr>
+          <p:cNvSpPr>
+            <a:spLocks noGrp="1"/>
+          </p:cNvSpPr>
+          <p:nvPr>
+            <p:ph type="title"/>
+          </p:nvPr>
+        </p:nvSpPr>
+        <p:spPr>
+          <a:xfrm>
+            <a:off x="304799" y="682752"/>
+            <a:ext cx="6830569" cy="1320800"/>
+          </a:xfrm>
+        </p:spPr>
+        <p:txBody>
+          <a:bodyPr/>
+          <a:lstStyle/>
+          <a:p>
+            <a:r>
+              <a:rPr lang="de-AT" dirty="0"/>
+              <a:t>Umwelt und Kreislaufwirtschaft</a:t>
+            </a:r>
+          </a:p>
+        </p:txBody>
+      </p:sp>
+      <p:sp>
+        <p:nvSpPr>
+          <p:cNvPr id="3" name="Content Placeholder 2">
+            <a:extLst>
+              <a:ext uri="{FF2B5EF4-FFF2-40B4-BE49-F238E27FC236}">
+                <a16:creationId xmlns:a16="http://schemas.microsoft.com/office/drawing/2014/main" id="{DC604E49-09DD-4287-8A32-F326DF78C335}"/>
+              </a:ext>
+            </a:extLst>
+          </p:cNvPr>
+          <p:cNvSpPr>
+            <a:spLocks noGrp="1"/>
+          </p:cNvSpPr>
+          <p:nvPr>
+            <p:ph idx="1"/>
+          </p:nvPr>
+        </p:nvSpPr>
+        <p:spPr/>
+        <p:txBody>
+          <a:bodyPr/>
+          <a:lstStyle/>
+          <a:p>
+            <a:endParaRPr lang="de-AT"/>
+          </a:p>
+        </p:txBody>
+      </p:sp>
+    </p:spTree>
+    <p:extLst>
+      <p:ext uri="{BB962C8B-B14F-4D97-AF65-F5344CB8AC3E}">
+        <p14:creationId xmlns:p14="http://schemas.microsoft.com/office/powerpoint/2010/main" val="4084520262"/>
+      </p:ext>
+    </p:extLst>
+  </p:cSld>
+  <p:clrMapOvr>
+    <a:masterClrMapping/>
+  </p:clrMapOvr>
+</p:sld>
+</file>
+
+<file path=ppt/slides/slide7.xml><?xml version="1.0" encoding="utf-8"?>
+<p:sld xmlns:a="http://schemas.openxmlformats.org/drawingml/2006/main" xmlns:r="http://schemas.openxmlformats.org/officeDocument/2006/relationships" xmlns:p="http://schemas.openxmlformats.org/presentationml/2006/main">
+  <p:cSld>
+    <p:spTree>
+      <p:nvGrpSpPr>
+        <p:cNvPr id="1" name=""/>
+        <p:cNvGrpSpPr/>
+        <p:nvPr/>
+      </p:nvGrpSpPr>
+      <p:grpSpPr>
+        <a:xfrm>
+          <a:off x="0" y="0"/>
+          <a:ext cx="0" cy="0"/>
+          <a:chOff x="0" y="0"/>
+          <a:chExt cx="0" cy="0"/>
+        </a:xfrm>
+      </p:grpSpPr>
+      <p:sp>
+        <p:nvSpPr>
+          <p:cNvPr id="2" name="Title 1">
+            <a:extLst>
+              <a:ext uri="{FF2B5EF4-FFF2-40B4-BE49-F238E27FC236}">
+                <a16:creationId xmlns:a16="http://schemas.microsoft.com/office/drawing/2014/main" id="{BACE77BB-B47B-4225-A157-7BA4CECFC92A}"/>
+              </a:ext>
+            </a:extLst>
+          </p:cNvPr>
+          <p:cNvSpPr>
+            <a:spLocks noGrp="1"/>
+          </p:cNvSpPr>
+          <p:nvPr>
+            <p:ph type="title"/>
+          </p:nvPr>
+        </p:nvSpPr>
+        <p:spPr/>
+        <p:txBody>
+          <a:bodyPr/>
+          <a:lstStyle/>
+          <a:p>
+            <a:r>
+              <a:rPr lang="de-AT" dirty="0"/>
+              <a:t>Klima </a:t>
+            </a:r>
+            <a:r>
+              <a:rPr lang="de-AT"/>
+              <a:t>und Energie</a:t>
+            </a:r>
+          </a:p>
+        </p:txBody>
+      </p:sp>
+      <p:sp>
+        <p:nvSpPr>
+          <p:cNvPr id="3" name="Content Placeholder 2">
+            <a:extLst>
+              <a:ext uri="{FF2B5EF4-FFF2-40B4-BE49-F238E27FC236}">
+                <a16:creationId xmlns:a16="http://schemas.microsoft.com/office/drawing/2014/main" id="{A24B2780-71DB-4B0C-A35A-D3DAE55ACA21}"/>
+              </a:ext>
+            </a:extLst>
+          </p:cNvPr>
+          <p:cNvSpPr>
+            <a:spLocks noGrp="1"/>
+          </p:cNvSpPr>
+          <p:nvPr>
+            <p:ph idx="1"/>
+          </p:nvPr>
+        </p:nvSpPr>
+        <p:spPr/>
+        <p:txBody>
+          <a:bodyPr/>
+          <a:lstStyle/>
+          <a:p>
+            <a:endParaRPr lang="de-AT"/>
+          </a:p>
+        </p:txBody>
+      </p:sp>
+    </p:spTree>
+    <p:extLst>
+      <p:ext uri="{BB962C8B-B14F-4D97-AF65-F5344CB8AC3E}">
+        <p14:creationId xmlns:p14="http://schemas.microsoft.com/office/powerpoint/2010/main" val="2397710466"/>
       </p:ext>
     </p:extLst>
   </p:cSld>
@@ -6907,9 +6986,9 @@
 </file>
 
 <file path=ppt/theme/theme1.xml><?xml version="1.0" encoding="utf-8"?>
-<a:theme xmlns:a="http://schemas.openxmlformats.org/drawingml/2006/main" name="Facette">
+<a:theme xmlns:a="http://schemas.openxmlformats.org/drawingml/2006/main" name="Facet">
   <a:themeElements>
-    <a:clrScheme name="Facette">
+    <a:clrScheme name="Facet">
       <a:dk1>
         <a:sysClr val="windowText" lastClr="000000"/>
       </a:dk1>
@@ -6923,31 +7002,31 @@
         <a:srgbClr val="EBEBEB"/>
       </a:lt2>
       <a:accent1>
-        <a:srgbClr val="5FCBEF"/>
+        <a:srgbClr val="90C226"/>
       </a:accent1>
       <a:accent2>
-        <a:srgbClr val="2E83C3"/>
+        <a:srgbClr val="54A021"/>
       </a:accent2>
       <a:accent3>
-        <a:srgbClr val="42D0A2"/>
+        <a:srgbClr val="E6B91E"/>
       </a:accent3>
       <a:accent4>
-        <a:srgbClr val="2E946B"/>
+        <a:srgbClr val="E76618"/>
       </a:accent4>
       <a:accent5>
-        <a:srgbClr val="42B051"/>
+        <a:srgbClr val="C42F1A"/>
       </a:accent5>
       <a:accent6>
-        <a:srgbClr val="96D141"/>
+        <a:srgbClr val="918655"/>
       </a:accent6>
       <a:hlink>
-        <a:srgbClr val="3FCDE7"/>
+        <a:srgbClr val="99CA3C"/>
       </a:hlink>
       <a:folHlink>
-        <a:srgbClr val="A9D3E1"/>
+        <a:srgbClr val="B9D181"/>
       </a:folHlink>
     </a:clrScheme>
-    <a:fontScheme name="Facette">
+    <a:fontScheme name="Facet">
       <a:majorFont>
         <a:latin typeface="Trebuchet MS" panose="020B0603020202020204"/>
         <a:ea typeface=""/>
@@ -7019,7 +7098,7 @@
         <a:font script="Geor" typeface="Sylfaen"/>
       </a:minorFont>
     </a:fontScheme>
-    <a:fmtScheme name="Facette">
+    <a:fmtScheme name="Facet">
       <a:fillStyleLst>
         <a:solidFill>
           <a:schemeClr val="phClr"/>
@@ -7157,7 +7236,7 @@
   <a:extraClrSchemeLst/>
   <a:extLst>
     <a:ext uri="{05A4C25C-085E-4340-85A3-A5531E510DB2}">
-      <thm15:themeFamily xmlns:thm15="http://schemas.microsoft.com/office/thememl/2012/main" name="Facet" id="{C0C680CD-088A-49FC-A102-D699147F32B2}" vid="{0B5AB586-D108-4FC1-8368-649FE654B894}"/>
+      <thm15:themeFamily xmlns:thm15="http://schemas.microsoft.com/office/thememl/2012/main" name="Facet" id="{C0C680CD-088A-49FC-A102-D699147F32B2}" vid="{CFBC31BA-B70F-4F30-BCAA-4F3011E16C4D}"/>
     </a:ext>
   </a:extLst>
 </a:theme>
@@ -7425,6 +7504,21 @@
 </file>
 
 <file path=customXml/item1.xml><?xml version="1.0" encoding="utf-8"?>
+<p:properties xmlns:p="http://schemas.microsoft.com/office/2006/metadata/properties" xmlns:xsi="http://www.w3.org/2001/XMLSchema-instance" xmlns:pc="http://schemas.microsoft.com/office/infopath/2007/PartnerControls">
+  <documentManagement/>
+</p:properties>
+</file>
+
+<file path=customXml/item2.xml><?xml version="1.0" encoding="utf-8"?>
+<?mso-contentType ?>
+<FormTemplates xmlns="http://schemas.microsoft.com/sharepoint/v3/contenttype/forms">
+  <Display>DocumentLibraryForm</Display>
+  <Edit>DocumentLibraryForm</Edit>
+  <New>DocumentLibraryForm</New>
+</FormTemplates>
+</file>
+
+<file path=customXml/item3.xml><?xml version="1.0" encoding="utf-8"?>
 <ct:contentTypeSchema xmlns:ct="http://schemas.microsoft.com/office/2006/metadata/contentType" xmlns:ma="http://schemas.microsoft.com/office/2006/metadata/properties/metaAttributes" ct:_="" ma:_="" ma:contentTypeName="Dokument" ma:contentTypeID="0x010100A3EB90D28978BB4BB836F5C7972CA229" ma:contentTypeVersion="2" ma:contentTypeDescription="Ein neues Dokument erstellen." ma:contentTypeScope="" ma:versionID="a49f1a418e2bed2d18dd32d273f0c013">
   <xsd:schema xmlns:xsd="http://www.w3.org/2001/XMLSchema" xmlns:xs="http://www.w3.org/2001/XMLSchema" xmlns:p="http://schemas.microsoft.com/office/2006/metadata/properties" xmlns:ns2="04576c97-eeb5-4556-a191-247401faf2b4" targetNamespace="http://schemas.microsoft.com/office/2006/metadata/properties" ma:root="true" ma:fieldsID="c0d35978076f3e569c5b4046f65c900c" ns2:_="">
     <xsd:import namespace="04576c97-eeb5-4556-a191-247401faf2b4"/>
@@ -7572,29 +7666,37 @@
 </ct:contentTypeSchema>
 </file>
 
-<file path=customXml/item2.xml><?xml version="1.0" encoding="utf-8"?>
-<?mso-contentType ?>
-<FormTemplates xmlns="http://schemas.microsoft.com/sharepoint/v3/contenttype/forms">
-  <Display>DocumentLibraryForm</Display>
-  <Edit>DocumentLibraryForm</Edit>
-  <New>DocumentLibraryForm</New>
-</FormTemplates>
-</file>
-
-<file path=customXml/item3.xml><?xml version="1.0" encoding="utf-8"?>
-<p:properties xmlns:p="http://schemas.microsoft.com/office/2006/metadata/properties" xmlns:xsi="http://www.w3.org/2001/XMLSchema-instance" xmlns:pc="http://schemas.microsoft.com/office/infopath/2007/PartnerControls">
-  <documentManagement/>
-</p:properties>
-</file>
-
 <file path=customXml/itemProps1.xml><?xml version="1.0" encoding="utf-8"?>
-<ds:datastoreItem xmlns:ds="http://schemas.openxmlformats.org/officeDocument/2006/customXml" ds:itemID="{C751EFC2-C3F9-4CE7-8031-ACE70A6B0B29}"/>
+<ds:datastoreItem xmlns:ds="http://schemas.openxmlformats.org/officeDocument/2006/customXml" ds:itemID="{EF9DFCB3-5E7D-4C23-B50A-13D25372289D}">
+  <ds:schemaRefs>
+    <ds:schemaRef ds:uri="http://schemas.microsoft.com/office/2006/metadata/properties"/>
+    <ds:schemaRef ds:uri="http://schemas.microsoft.com/office/infopath/2007/PartnerControls"/>
+  </ds:schemaRefs>
+</ds:datastoreItem>
 </file>
 
 <file path=customXml/itemProps2.xml><?xml version="1.0" encoding="utf-8"?>
-<ds:datastoreItem xmlns:ds="http://schemas.openxmlformats.org/officeDocument/2006/customXml" ds:itemID="{CF893B7D-10ED-47F4-9319-100DDF84E904}"/>
+<ds:datastoreItem xmlns:ds="http://schemas.openxmlformats.org/officeDocument/2006/customXml" ds:itemID="{CF893B7D-10ED-47F4-9319-100DDF84E904}">
+  <ds:schemaRefs>
+    <ds:schemaRef ds:uri="http://schemas.microsoft.com/sharepoint/v3/contenttype/forms"/>
+  </ds:schemaRefs>
+</ds:datastoreItem>
 </file>
 
 <file path=customXml/itemProps3.xml><?xml version="1.0" encoding="utf-8"?>
-<ds:datastoreItem xmlns:ds="http://schemas.openxmlformats.org/officeDocument/2006/customXml" ds:itemID="{EF9DFCB3-5E7D-4C23-B50A-13D25372289D}"/>
+<ds:datastoreItem xmlns:ds="http://schemas.openxmlformats.org/officeDocument/2006/customXml" ds:itemID="{C751EFC2-C3F9-4CE7-8031-ACE70A6B0B29}">
+  <ds:schemaRefs>
+    <ds:schemaRef ds:uri="http://schemas.microsoft.com/office/2006/metadata/contentType"/>
+    <ds:schemaRef ds:uri="http://schemas.microsoft.com/office/2006/metadata/properties/metaAttributes"/>
+    <ds:schemaRef ds:uri="http://www.w3.org/2001/XMLSchema"/>
+    <ds:schemaRef ds:uri="http://schemas.microsoft.com/office/2006/metadata/properties"/>
+    <ds:schemaRef ds:uri="04576c97-eeb5-4556-a191-247401faf2b4"/>
+    <ds:schemaRef ds:uri="http://schemas.microsoft.com/office/2006/documentManagement/types"/>
+    <ds:schemaRef ds:uri="http://schemas.microsoft.com/office/infopath/2007/PartnerControls"/>
+    <ds:schemaRef ds:uri="http://schemas.openxmlformats.org/package/2006/metadata/core-properties"/>
+    <ds:schemaRef ds:uri="http://purl.org/dc/elements/1.1/"/>
+    <ds:schemaRef ds:uri="http://purl.org/dc/terms/"/>
+    <ds:schemaRef ds:uri="http://schemas.microsoft.com/internal/obd"/>
+  </ds:schemaRefs>
+</ds:datastoreItem>
 </file>
--- a/PB/Projektarbeit Bundesregierung 2022/Arbeitsauftrag, Vorlagen/3.11_Vorlage Präsentation Bundesministerien.pptx
+++ b/PB/Projektarbeit Bundesregierung 2022/Arbeitsauftrag, Vorlagen/3.11_Vorlage Präsentation Bundesministerien.pptx
@@ -5,16 +5,13 @@
     <p:sldMasterId id="2147483847" r:id="rId4"/>
   </p:sldMasterIdLst>
   <p:notesMasterIdLst>
-    <p:notesMasterId r:id="rId12"/>
+    <p:notesMasterId r:id="rId9"/>
   </p:notesMasterIdLst>
   <p:sldIdLst>
-    <p:sldId id="256" r:id="rId5"/>
+    <p:sldId id="259" r:id="rId5"/>
     <p:sldId id="257" r:id="rId6"/>
-    <p:sldId id="258" r:id="rId7"/>
-    <p:sldId id="259" r:id="rId8"/>
-    <p:sldId id="260" r:id="rId9"/>
-    <p:sldId id="261" r:id="rId10"/>
-    <p:sldId id="262" r:id="rId11"/>
+    <p:sldId id="256" r:id="rId7"/>
+    <p:sldId id="258" r:id="rId8"/>
   </p:sldIdLst>
   <p:sldSz cx="9144000" cy="6858000" type="screen4x3"/>
   <p:notesSz cx="6858000" cy="9144000"/>
@@ -203,7 +200,7 @@
           <a:p>
             <a:fld id="{DC57C5F1-E181-44EA-94C9-81368CB5C272}" type="datetimeFigureOut">
               <a:rPr lang="de-DE" smtClean="0"/>
-              <a:t>28.03.2022</a:t>
+              <a:t>06.04.2022</a:t>
             </a:fld>
             <a:endParaRPr lang="de-DE"/>
           </a:p>
@@ -361,7 +358,7 @@
           <a:p>
             <a:fld id="{687BE6AF-67D2-41DF-BCAB-DF79696E1F4F}" type="slidenum">
               <a:rPr lang="de-DE" smtClean="0"/>
-              <a:t>‹#›</a:t>
+              <a:t>‹Nr.›</a:t>
             </a:fld>
             <a:endParaRPr lang="de-DE"/>
           </a:p>
@@ -1264,7 +1261,7 @@
           <a:p>
             <a:fld id="{29163D65-E02A-4B65-B5A8-EF7D4B279BF8}" type="datetimeFigureOut">
               <a:rPr lang="de-DE" smtClean="0"/>
-              <a:t>28.03.2022</a:t>
+              <a:t>06.04.2022</a:t>
             </a:fld>
             <a:endParaRPr lang="de-DE"/>
           </a:p>
@@ -1306,7 +1303,7 @@
           <a:p>
             <a:fld id="{14D66CCF-8AC4-4B35-A528-C81FC1C71673}" type="slidenum">
               <a:rPr lang="de-DE" smtClean="0"/>
-              <a:t>‹#›</a:t>
+              <a:t>‹Nr.›</a:t>
             </a:fld>
             <a:endParaRPr lang="de-DE"/>
           </a:p>
@@ -1515,7 +1512,7 @@
           <a:p>
             <a:fld id="{29163D65-E02A-4B65-B5A8-EF7D4B279BF8}" type="datetimeFigureOut">
               <a:rPr lang="de-DE" smtClean="0"/>
-              <a:t>28.03.2022</a:t>
+              <a:t>06.04.2022</a:t>
             </a:fld>
             <a:endParaRPr lang="de-DE"/>
           </a:p>
@@ -1557,7 +1554,7 @@
           <a:p>
             <a:fld id="{14D66CCF-8AC4-4B35-A528-C81FC1C71673}" type="slidenum">
               <a:rPr lang="de-DE" smtClean="0"/>
-              <a:t>‹#›</a:t>
+              <a:t>‹Nr.›</a:t>
             </a:fld>
             <a:endParaRPr lang="de-DE"/>
           </a:p>
@@ -1829,7 +1826,7 @@
           <a:p>
             <a:fld id="{29163D65-E02A-4B65-B5A8-EF7D4B279BF8}" type="datetimeFigureOut">
               <a:rPr lang="de-DE" smtClean="0"/>
-              <a:t>28.03.2022</a:t>
+              <a:t>06.04.2022</a:t>
             </a:fld>
             <a:endParaRPr lang="de-DE"/>
           </a:p>
@@ -1871,7 +1868,7 @@
           <a:p>
             <a:fld id="{14D66CCF-8AC4-4B35-A528-C81FC1C71673}" type="slidenum">
               <a:rPr lang="de-DE" smtClean="0"/>
-              <a:t>‹#›</a:t>
+              <a:t>‹Nr.›</a:t>
             </a:fld>
             <a:endParaRPr lang="de-DE"/>
           </a:p>
@@ -2162,7 +2159,7 @@
           <a:p>
             <a:fld id="{29163D65-E02A-4B65-B5A8-EF7D4B279BF8}" type="datetimeFigureOut">
               <a:rPr lang="de-DE" smtClean="0"/>
-              <a:t>28.03.2022</a:t>
+              <a:t>06.04.2022</a:t>
             </a:fld>
             <a:endParaRPr lang="de-DE"/>
           </a:p>
@@ -2204,7 +2201,7 @@
           <a:p>
             <a:fld id="{14D66CCF-8AC4-4B35-A528-C81FC1C71673}" type="slidenum">
               <a:rPr lang="de-DE" smtClean="0"/>
-              <a:t>‹#›</a:t>
+              <a:t>‹Nr.›</a:t>
             </a:fld>
             <a:endParaRPr lang="de-DE"/>
           </a:p>
@@ -2476,7 +2473,7 @@
           <a:p>
             <a:fld id="{29163D65-E02A-4B65-B5A8-EF7D4B279BF8}" type="datetimeFigureOut">
               <a:rPr lang="de-DE" smtClean="0"/>
-              <a:t>28.03.2022</a:t>
+              <a:t>06.04.2022</a:t>
             </a:fld>
             <a:endParaRPr lang="de-DE"/>
           </a:p>
@@ -2518,7 +2515,7 @@
           <a:p>
             <a:fld id="{14D66CCF-8AC4-4B35-A528-C81FC1C71673}" type="slidenum">
               <a:rPr lang="de-DE" smtClean="0"/>
-              <a:t>‹#›</a:t>
+              <a:t>‹Nr.›</a:t>
             </a:fld>
             <a:endParaRPr lang="de-DE"/>
           </a:p>
@@ -2869,7 +2866,7 @@
           <a:p>
             <a:fld id="{29163D65-E02A-4B65-B5A8-EF7D4B279BF8}" type="datetimeFigureOut">
               <a:rPr lang="de-DE" smtClean="0"/>
-              <a:t>28.03.2022</a:t>
+              <a:t>06.04.2022</a:t>
             </a:fld>
             <a:endParaRPr lang="de-DE"/>
           </a:p>
@@ -2911,7 +2908,7 @@
           <a:p>
             <a:fld id="{14D66CCF-8AC4-4B35-A528-C81FC1C71673}" type="slidenum">
               <a:rPr lang="de-DE" smtClean="0"/>
-              <a:t>‹#›</a:t>
+              <a:t>‹Nr.›</a:t>
             </a:fld>
             <a:endParaRPr lang="de-DE"/>
           </a:p>
@@ -3039,7 +3036,7 @@
           <a:p>
             <a:fld id="{29163D65-E02A-4B65-B5A8-EF7D4B279BF8}" type="datetimeFigureOut">
               <a:rPr lang="de-DE" smtClean="0"/>
-              <a:t>28.03.2022</a:t>
+              <a:t>06.04.2022</a:t>
             </a:fld>
             <a:endParaRPr lang="de-DE"/>
           </a:p>
@@ -3081,7 +3078,7 @@
           <a:p>
             <a:fld id="{14D66CCF-8AC4-4B35-A528-C81FC1C71673}" type="slidenum">
               <a:rPr lang="de-DE" smtClean="0"/>
-              <a:t>‹#›</a:t>
+              <a:t>‹Nr.›</a:t>
             </a:fld>
             <a:endParaRPr lang="de-DE"/>
           </a:p>
@@ -3219,7 +3216,7 @@
           <a:p>
             <a:fld id="{29163D65-E02A-4B65-B5A8-EF7D4B279BF8}" type="datetimeFigureOut">
               <a:rPr lang="de-DE" smtClean="0"/>
-              <a:t>28.03.2022</a:t>
+              <a:t>06.04.2022</a:t>
             </a:fld>
             <a:endParaRPr lang="de-DE"/>
           </a:p>
@@ -3261,7 +3258,7 @@
           <a:p>
             <a:fld id="{14D66CCF-8AC4-4B35-A528-C81FC1C71673}" type="slidenum">
               <a:rPr lang="de-DE" smtClean="0"/>
-              <a:t>‹#›</a:t>
+              <a:t>‹Nr.›</a:t>
             </a:fld>
             <a:endParaRPr lang="de-DE"/>
           </a:p>
@@ -3389,7 +3386,7 @@
           <a:p>
             <a:fld id="{29163D65-E02A-4B65-B5A8-EF7D4B279BF8}" type="datetimeFigureOut">
               <a:rPr lang="de-DE" smtClean="0"/>
-              <a:t>28.03.2022</a:t>
+              <a:t>06.04.2022</a:t>
             </a:fld>
             <a:endParaRPr lang="de-DE"/>
           </a:p>
@@ -3431,7 +3428,7 @@
           <a:p>
             <a:fld id="{14D66CCF-8AC4-4B35-A528-C81FC1C71673}" type="slidenum">
               <a:rPr lang="de-DE" smtClean="0"/>
-              <a:t>‹#›</a:t>
+              <a:t>‹Nr.›</a:t>
             </a:fld>
             <a:endParaRPr lang="de-DE"/>
           </a:p>
@@ -3636,7 +3633,7 @@
           <a:p>
             <a:fld id="{29163D65-E02A-4B65-B5A8-EF7D4B279BF8}" type="datetimeFigureOut">
               <a:rPr lang="de-DE" smtClean="0"/>
-              <a:t>28.03.2022</a:t>
+              <a:t>06.04.2022</a:t>
             </a:fld>
             <a:endParaRPr lang="de-DE"/>
           </a:p>
@@ -3678,7 +3675,7 @@
           <a:p>
             <a:fld id="{14D66CCF-8AC4-4B35-A528-C81FC1C71673}" type="slidenum">
               <a:rPr lang="de-DE" smtClean="0"/>
-              <a:t>‹#›</a:t>
+              <a:t>‹Nr.›</a:t>
             </a:fld>
             <a:endParaRPr lang="de-DE"/>
           </a:p>
@@ -3933,7 +3930,7 @@
           <a:p>
             <a:fld id="{29163D65-E02A-4B65-B5A8-EF7D4B279BF8}" type="datetimeFigureOut">
               <a:rPr lang="de-DE" smtClean="0"/>
-              <a:t>28.03.2022</a:t>
+              <a:t>06.04.2022</a:t>
             </a:fld>
             <a:endParaRPr lang="de-DE"/>
           </a:p>
@@ -3975,7 +3972,7 @@
           <a:p>
             <a:fld id="{14D66CCF-8AC4-4B35-A528-C81FC1C71673}" type="slidenum">
               <a:rPr lang="de-DE" smtClean="0"/>
-              <a:t>‹#›</a:t>
+              <a:t>‹Nr.›</a:t>
             </a:fld>
             <a:endParaRPr lang="de-DE"/>
           </a:p>
@@ -4312,7 +4309,7 @@
           <a:p>
             <a:fld id="{29163D65-E02A-4B65-B5A8-EF7D4B279BF8}" type="datetimeFigureOut">
               <a:rPr lang="de-DE" smtClean="0"/>
-              <a:t>28.03.2022</a:t>
+              <a:t>06.04.2022</a:t>
             </a:fld>
             <a:endParaRPr lang="de-DE"/>
           </a:p>
@@ -4354,7 +4351,7 @@
           <a:p>
             <a:fld id="{14D66CCF-8AC4-4B35-A528-C81FC1C71673}" type="slidenum">
               <a:rPr lang="de-DE" smtClean="0"/>
-              <a:t>‹#›</a:t>
+              <a:t>‹Nr.›</a:t>
             </a:fld>
             <a:endParaRPr lang="de-DE"/>
           </a:p>
@@ -4435,7 +4432,7 @@
           <a:p>
             <a:fld id="{29163D65-E02A-4B65-B5A8-EF7D4B279BF8}" type="datetimeFigureOut">
               <a:rPr lang="de-DE" smtClean="0"/>
-              <a:t>28.03.2022</a:t>
+              <a:t>06.04.2022</a:t>
             </a:fld>
             <a:endParaRPr lang="de-DE"/>
           </a:p>
@@ -4477,7 +4474,7 @@
           <a:p>
             <a:fld id="{14D66CCF-8AC4-4B35-A528-C81FC1C71673}" type="slidenum">
               <a:rPr lang="de-DE" smtClean="0"/>
-              <a:t>‹#›</a:t>
+              <a:t>‹Nr.›</a:t>
             </a:fld>
             <a:endParaRPr lang="de-DE"/>
           </a:p>
@@ -4530,7 +4527,7 @@
           <a:p>
             <a:fld id="{29163D65-E02A-4B65-B5A8-EF7D4B279BF8}" type="datetimeFigureOut">
               <a:rPr lang="de-DE" smtClean="0"/>
-              <a:t>28.03.2022</a:t>
+              <a:t>06.04.2022</a:t>
             </a:fld>
             <a:endParaRPr lang="de-DE"/>
           </a:p>
@@ -4572,7 +4569,7 @@
           <a:p>
             <a:fld id="{14D66CCF-8AC4-4B35-A528-C81FC1C71673}" type="slidenum">
               <a:rPr lang="de-DE" smtClean="0"/>
-              <a:t>‹#›</a:t>
+              <a:t>‹Nr.›</a:t>
             </a:fld>
             <a:endParaRPr lang="de-DE"/>
           </a:p>
@@ -4785,7 +4782,7 @@
           <a:p>
             <a:fld id="{29163D65-E02A-4B65-B5A8-EF7D4B279BF8}" type="datetimeFigureOut">
               <a:rPr lang="de-DE" smtClean="0"/>
-              <a:t>28.03.2022</a:t>
+              <a:t>06.04.2022</a:t>
             </a:fld>
             <a:endParaRPr lang="de-DE"/>
           </a:p>
@@ -4827,7 +4824,7 @@
           <a:p>
             <a:fld id="{14D66CCF-8AC4-4B35-A528-C81FC1C71673}" type="slidenum">
               <a:rPr lang="de-DE" smtClean="0"/>
-              <a:t>‹#›</a:t>
+              <a:t>‹Nr.›</a:t>
             </a:fld>
             <a:endParaRPr lang="de-DE"/>
           </a:p>
@@ -5048,7 +5045,7 @@
           <a:p>
             <a:fld id="{29163D65-E02A-4B65-B5A8-EF7D4B279BF8}" type="datetimeFigureOut">
               <a:rPr lang="de-DE" smtClean="0"/>
-              <a:t>28.03.2022</a:t>
+              <a:t>06.04.2022</a:t>
             </a:fld>
             <a:endParaRPr lang="de-DE"/>
           </a:p>
@@ -5090,7 +5087,7 @@
           <a:p>
             <a:fld id="{14D66CCF-8AC4-4B35-A528-C81FC1C71673}" type="slidenum">
               <a:rPr lang="de-DE" smtClean="0"/>
-              <a:t>‹#›</a:t>
+              <a:t>‹Nr.›</a:t>
             </a:fld>
             <a:endParaRPr lang="de-DE"/>
           </a:p>
@@ -5862,7 +5859,7 @@
           <a:p>
             <a:fld id="{29163D65-E02A-4B65-B5A8-EF7D4B279BF8}" type="datetimeFigureOut">
               <a:rPr lang="de-DE" smtClean="0"/>
-              <a:t>28.03.2022</a:t>
+              <a:t>06.04.2022</a:t>
             </a:fld>
             <a:endParaRPr lang="de-DE"/>
           </a:p>
@@ -5938,7 +5935,7 @@
           <a:p>
             <a:fld id="{14D66CCF-8AC4-4B35-A528-C81FC1C71673}" type="slidenum">
               <a:rPr lang="de-DE" smtClean="0"/>
-              <a:t>‹#›</a:t>
+              <a:t>‹Nr.›</a:t>
             </a:fld>
             <a:endParaRPr lang="de-DE"/>
           </a:p>
@@ -6391,6 +6388,237 @@
           <a:chExt cx="0" cy="0"/>
         </a:xfrm>
       </p:grpSpPr>
+      <p:sp>
+        <p:nvSpPr>
+          <p:cNvPr id="3" name="Inhaltsplatzhalter 2">
+            <a:extLst>
+              <a:ext uri="{FF2B5EF4-FFF2-40B4-BE49-F238E27FC236}">
+                <a16:creationId xmlns:a16="http://schemas.microsoft.com/office/drawing/2014/main" id="{A775349A-35EF-426E-8B93-8281F021C917}"/>
+              </a:ext>
+            </a:extLst>
+          </p:cNvPr>
+          <p:cNvSpPr>
+            <a:spLocks noGrp="1"/>
+          </p:cNvSpPr>
+          <p:nvPr>
+            <p:ph idx="1"/>
+          </p:nvPr>
+        </p:nvSpPr>
+        <p:spPr>
+          <a:xfrm>
+            <a:off x="369650" y="2919349"/>
+            <a:ext cx="6347714" cy="3880773"/>
+          </a:xfrm>
+        </p:spPr>
+        <p:txBody>
+          <a:bodyPr/>
+          <a:lstStyle/>
+          <a:p>
+            <a:r>
+              <a:rPr lang="en-US" dirty="0"/>
+              <a:t>Kurz BMK</a:t>
+            </a:r>
+          </a:p>
+          <a:p>
+            <a:endParaRPr lang="de-AT" dirty="0"/>
+          </a:p>
+        </p:txBody>
+      </p:sp>
+      <p:pic>
+        <p:nvPicPr>
+          <p:cNvPr id="4" name="Grafik 3">
+            <a:extLst>
+              <a:ext uri="{FF2B5EF4-FFF2-40B4-BE49-F238E27FC236}">
+                <a16:creationId xmlns:a16="http://schemas.microsoft.com/office/drawing/2014/main" id="{D612AF82-8455-44CC-B45B-30C46C4B9D46}"/>
+              </a:ext>
+            </a:extLst>
+          </p:cNvPr>
+          <p:cNvPicPr>
+            <a:picLocks noChangeAspect="1"/>
+          </p:cNvPicPr>
+          <p:nvPr/>
+        </p:nvPicPr>
+        <p:blipFill>
+          <a:blip r:embed="rId2"/>
+          <a:stretch>
+            <a:fillRect/>
+          </a:stretch>
+        </p:blipFill>
+        <p:spPr>
+          <a:xfrm>
+            <a:off x="-123218" y="-141403"/>
+            <a:ext cx="7503268" cy="2698423"/>
+          </a:xfrm>
+          <a:prstGeom prst="rect">
+            <a:avLst/>
+          </a:prstGeom>
+        </p:spPr>
+      </p:pic>
+    </p:spTree>
+    <p:extLst>
+      <p:ext uri="{BB962C8B-B14F-4D97-AF65-F5344CB8AC3E}">
+        <p14:creationId xmlns:p14="http://schemas.microsoft.com/office/powerpoint/2010/main" val="2888002709"/>
+      </p:ext>
+    </p:extLst>
+  </p:cSld>
+  <p:clrMapOvr>
+    <a:masterClrMapping/>
+  </p:clrMapOvr>
+</p:sld>
+</file>
+
+<file path=ppt/slides/slide2.xml><?xml version="1.0" encoding="utf-8"?>
+<p:sld xmlns:a="http://schemas.openxmlformats.org/drawingml/2006/main" xmlns:r="http://schemas.openxmlformats.org/officeDocument/2006/relationships" xmlns:p="http://schemas.openxmlformats.org/presentationml/2006/main">
+  <p:cSld>
+    <p:spTree>
+      <p:nvGrpSpPr>
+        <p:cNvPr id="1" name=""/>
+        <p:cNvGrpSpPr/>
+        <p:nvPr/>
+      </p:nvGrpSpPr>
+      <p:grpSpPr>
+        <a:xfrm>
+          <a:off x="0" y="0"/>
+          <a:ext cx="0" cy="0"/>
+          <a:chOff x="0" y="0"/>
+          <a:chExt cx="0" cy="0"/>
+        </a:xfrm>
+      </p:grpSpPr>
+      <p:sp>
+        <p:nvSpPr>
+          <p:cNvPr id="2" name="Title 1">
+            <a:extLst>
+              <a:ext uri="{FF2B5EF4-FFF2-40B4-BE49-F238E27FC236}">
+                <a16:creationId xmlns:a16="http://schemas.microsoft.com/office/drawing/2014/main" id="{68DE2C15-FDEA-4F98-9C29-668036888F61}"/>
+              </a:ext>
+            </a:extLst>
+          </p:cNvPr>
+          <p:cNvSpPr>
+            <a:spLocks noGrp="1"/>
+          </p:cNvSpPr>
+          <p:nvPr>
+            <p:ph type="title"/>
+          </p:nvPr>
+        </p:nvSpPr>
+        <p:spPr>
+          <a:xfrm>
+            <a:off x="685799" y="207264"/>
+            <a:ext cx="6347713" cy="720106"/>
+          </a:xfrm>
+        </p:spPr>
+        <p:txBody>
+          <a:bodyPr/>
+          <a:lstStyle/>
+          <a:p>
+            <a:r>
+              <a:rPr lang="en-US" dirty="0" err="1"/>
+              <a:t>Aufteilung</a:t>
+            </a:r>
+            <a:r>
+              <a:rPr lang="en-US" dirty="0"/>
+              <a:t>, </a:t>
+            </a:r>
+            <a:r>
+              <a:rPr lang="en-US" dirty="0" err="1"/>
+              <a:t>Zuständigkeit</a:t>
+            </a:r>
+            <a:endParaRPr lang="de-AT" dirty="0"/>
+          </a:p>
+        </p:txBody>
+      </p:sp>
+      <p:sp>
+        <p:nvSpPr>
+          <p:cNvPr id="3" name="Content Placeholder 2">
+            <a:extLst>
+              <a:ext uri="{FF2B5EF4-FFF2-40B4-BE49-F238E27FC236}">
+                <a16:creationId xmlns:a16="http://schemas.microsoft.com/office/drawing/2014/main" id="{A112129B-384C-4C0F-9CCD-4CF5E87409C2}"/>
+              </a:ext>
+            </a:extLst>
+          </p:cNvPr>
+          <p:cNvSpPr>
+            <a:spLocks noGrp="1"/>
+          </p:cNvSpPr>
+          <p:nvPr>
+            <p:ph idx="1"/>
+          </p:nvPr>
+        </p:nvSpPr>
+        <p:spPr>
+          <a:xfrm>
+            <a:off x="389105" y="1012726"/>
+            <a:ext cx="6347714" cy="3880773"/>
+          </a:xfrm>
+        </p:spPr>
+        <p:txBody>
+          <a:bodyPr/>
+          <a:lstStyle/>
+          <a:p>
+            <a:r>
+              <a:rPr lang="de-AT" dirty="0"/>
+              <a:t>Präsidium und Internationale Angelegenheiten</a:t>
+            </a:r>
+          </a:p>
+          <a:p>
+            <a:r>
+              <a:rPr lang="de-AT" dirty="0"/>
+              <a:t>Mobilität</a:t>
+            </a:r>
+          </a:p>
+          <a:p>
+            <a:r>
+              <a:rPr lang="de-AT" dirty="0"/>
+              <a:t>Innovation und Technologie</a:t>
+            </a:r>
+          </a:p>
+          <a:p>
+            <a:r>
+              <a:rPr lang="de-AT" dirty="0"/>
+              <a:t>Verkehr</a:t>
+            </a:r>
+          </a:p>
+          <a:p>
+            <a:r>
+              <a:rPr lang="de-AT" dirty="0"/>
+              <a:t>Umwelt und Kreislaufwirtschaft</a:t>
+            </a:r>
+          </a:p>
+          <a:p>
+            <a:r>
+              <a:rPr lang="de-AT" dirty="0"/>
+              <a:t>Klima und Energie</a:t>
+            </a:r>
+          </a:p>
+        </p:txBody>
+      </p:sp>
+    </p:spTree>
+    <p:extLst>
+      <p:ext uri="{BB962C8B-B14F-4D97-AF65-F5344CB8AC3E}">
+        <p14:creationId xmlns:p14="http://schemas.microsoft.com/office/powerpoint/2010/main" val="2821292857"/>
+      </p:ext>
+    </p:extLst>
+  </p:cSld>
+  <p:clrMapOvr>
+    <a:masterClrMapping/>
+  </p:clrMapOvr>
+</p:sld>
+</file>
+
+<file path=ppt/slides/slide3.xml><?xml version="1.0" encoding="utf-8"?>
+<p:sld xmlns:a="http://schemas.openxmlformats.org/drawingml/2006/main" xmlns:r="http://schemas.openxmlformats.org/officeDocument/2006/relationships" xmlns:p="http://schemas.openxmlformats.org/presentationml/2006/main">
+  <p:cSld>
+    <p:spTree>
+      <p:nvGrpSpPr>
+        <p:cNvPr id="1" name=""/>
+        <p:cNvGrpSpPr/>
+        <p:nvPr/>
+      </p:nvGrpSpPr>
+      <p:grpSpPr>
+        <a:xfrm>
+          <a:off x="0" y="0"/>
+          <a:ext cx="0" cy="0"/>
+          <a:chOff x="0" y="0"/>
+          <a:chExt cx="0" cy="0"/>
+        </a:xfrm>
+      </p:grpSpPr>
       <p:pic>
         <p:nvPicPr>
           <p:cNvPr id="4" name="Picture 3">
@@ -6473,177 +6701,6 @@
 </p:sld>
 </file>
 
-<file path=ppt/slides/slide2.xml><?xml version="1.0" encoding="utf-8"?>
-<p:sld xmlns:a="http://schemas.openxmlformats.org/drawingml/2006/main" xmlns:r="http://schemas.openxmlformats.org/officeDocument/2006/relationships" xmlns:p="http://schemas.openxmlformats.org/presentationml/2006/main">
-  <p:cSld>
-    <p:spTree>
-      <p:nvGrpSpPr>
-        <p:cNvPr id="1" name=""/>
-        <p:cNvGrpSpPr/>
-        <p:nvPr/>
-      </p:nvGrpSpPr>
-      <p:grpSpPr>
-        <a:xfrm>
-          <a:off x="0" y="0"/>
-          <a:ext cx="0" cy="0"/>
-          <a:chOff x="0" y="0"/>
-          <a:chExt cx="0" cy="0"/>
-        </a:xfrm>
-      </p:grpSpPr>
-      <p:sp>
-        <p:nvSpPr>
-          <p:cNvPr id="2" name="Title 1">
-            <a:extLst>
-              <a:ext uri="{FF2B5EF4-FFF2-40B4-BE49-F238E27FC236}">
-                <a16:creationId xmlns:a16="http://schemas.microsoft.com/office/drawing/2014/main" id="{68DE2C15-FDEA-4F98-9C29-668036888F61}"/>
-              </a:ext>
-            </a:extLst>
-          </p:cNvPr>
-          <p:cNvSpPr>
-            <a:spLocks noGrp="1"/>
-          </p:cNvSpPr>
-          <p:nvPr>
-            <p:ph type="title"/>
-          </p:nvPr>
-        </p:nvSpPr>
-        <p:spPr>
-          <a:xfrm>
-            <a:off x="685799" y="207264"/>
-            <a:ext cx="6347713" cy="1320800"/>
-          </a:xfrm>
-        </p:spPr>
-        <p:txBody>
-          <a:bodyPr/>
-          <a:lstStyle/>
-          <a:p>
-            <a:r>
-              <a:rPr lang="de-AT" dirty="0"/>
-              <a:t>Präsidium und Internationale Angelegenheiten</a:t>
-            </a:r>
-          </a:p>
-        </p:txBody>
-      </p:sp>
-      <p:sp>
-        <p:nvSpPr>
-          <p:cNvPr id="3" name="Content Placeholder 2">
-            <a:extLst>
-              <a:ext uri="{FF2B5EF4-FFF2-40B4-BE49-F238E27FC236}">
-                <a16:creationId xmlns:a16="http://schemas.microsoft.com/office/drawing/2014/main" id="{A112129B-384C-4C0F-9CCD-4CF5E87409C2}"/>
-              </a:ext>
-            </a:extLst>
-          </p:cNvPr>
-          <p:cNvSpPr>
-            <a:spLocks noGrp="1"/>
-          </p:cNvSpPr>
-          <p:nvPr>
-            <p:ph idx="1"/>
-          </p:nvPr>
-        </p:nvSpPr>
-        <p:spPr/>
-        <p:txBody>
-          <a:bodyPr/>
-          <a:lstStyle/>
-          <a:p>
-            <a:endParaRPr lang="de-AT" dirty="0"/>
-          </a:p>
-        </p:txBody>
-      </p:sp>
-    </p:spTree>
-    <p:extLst>
-      <p:ext uri="{BB962C8B-B14F-4D97-AF65-F5344CB8AC3E}">
-        <p14:creationId xmlns:p14="http://schemas.microsoft.com/office/powerpoint/2010/main" val="2821292857"/>
-      </p:ext>
-    </p:extLst>
-  </p:cSld>
-  <p:clrMapOvr>
-    <a:masterClrMapping/>
-  </p:clrMapOvr>
-</p:sld>
-</file>
-
-<file path=ppt/slides/slide3.xml><?xml version="1.0" encoding="utf-8"?>
-<p:sld xmlns:a="http://schemas.openxmlformats.org/drawingml/2006/main" xmlns:r="http://schemas.openxmlformats.org/officeDocument/2006/relationships" xmlns:p="http://schemas.openxmlformats.org/presentationml/2006/main">
-  <p:cSld>
-    <p:spTree>
-      <p:nvGrpSpPr>
-        <p:cNvPr id="1" name=""/>
-        <p:cNvGrpSpPr/>
-        <p:nvPr/>
-      </p:nvGrpSpPr>
-      <p:grpSpPr>
-        <a:xfrm>
-          <a:off x="0" y="0"/>
-          <a:ext cx="0" cy="0"/>
-          <a:chOff x="0" y="0"/>
-          <a:chExt cx="0" cy="0"/>
-        </a:xfrm>
-      </p:grpSpPr>
-      <p:sp>
-        <p:nvSpPr>
-          <p:cNvPr id="2" name="Title 1">
-            <a:extLst>
-              <a:ext uri="{FF2B5EF4-FFF2-40B4-BE49-F238E27FC236}">
-                <a16:creationId xmlns:a16="http://schemas.microsoft.com/office/drawing/2014/main" id="{3FEDA017-9AA4-42D8-86D5-2568358CF67B}"/>
-              </a:ext>
-            </a:extLst>
-          </p:cNvPr>
-          <p:cNvSpPr>
-            <a:spLocks noGrp="1"/>
-          </p:cNvSpPr>
-          <p:nvPr>
-            <p:ph type="title"/>
-          </p:nvPr>
-        </p:nvSpPr>
-        <p:spPr/>
-        <p:txBody>
-          <a:bodyPr/>
-          <a:lstStyle/>
-          <a:p>
-            <a:r>
-              <a:rPr lang="de-AT" dirty="0"/>
-              <a:t>Mobilität</a:t>
-            </a:r>
-          </a:p>
-        </p:txBody>
-      </p:sp>
-      <p:sp>
-        <p:nvSpPr>
-          <p:cNvPr id="3" name="Content Placeholder 2">
-            <a:extLst>
-              <a:ext uri="{FF2B5EF4-FFF2-40B4-BE49-F238E27FC236}">
-                <a16:creationId xmlns:a16="http://schemas.microsoft.com/office/drawing/2014/main" id="{4C606C83-83DF-4C12-BCD1-53A5D7D383EB}"/>
-              </a:ext>
-            </a:extLst>
-          </p:cNvPr>
-          <p:cNvSpPr>
-            <a:spLocks noGrp="1"/>
-          </p:cNvSpPr>
-          <p:nvPr>
-            <p:ph idx="1"/>
-          </p:nvPr>
-        </p:nvSpPr>
-        <p:spPr/>
-        <p:txBody>
-          <a:bodyPr/>
-          <a:lstStyle/>
-          <a:p>
-            <a:endParaRPr lang="de-AT"/>
-          </a:p>
-        </p:txBody>
-      </p:sp>
-    </p:spTree>
-    <p:extLst>
-      <p:ext uri="{BB962C8B-B14F-4D97-AF65-F5344CB8AC3E}">
-        <p14:creationId xmlns:p14="http://schemas.microsoft.com/office/powerpoint/2010/main" val="793953204"/>
-      </p:ext>
-    </p:extLst>
-  </p:cSld>
-  <p:clrMapOvr>
-    <a:masterClrMapping/>
-  </p:clrMapOvr>
-</p:sld>
-</file>
-
 <file path=ppt/slides/slide4.xml><?xml version="1.0" encoding="utf-8"?>
 <p:sld xmlns:a="http://schemas.openxmlformats.org/drawingml/2006/main" xmlns:r="http://schemas.openxmlformats.org/officeDocument/2006/relationships" xmlns:p="http://schemas.openxmlformats.org/presentationml/2006/main">
   <p:cSld>
@@ -6666,7 +6723,7 @@
           <p:cNvPr id="2" name="Title 1">
             <a:extLst>
               <a:ext uri="{FF2B5EF4-FFF2-40B4-BE49-F238E27FC236}">
-                <a16:creationId xmlns:a16="http://schemas.microsoft.com/office/drawing/2014/main" id="{4D11495D-5926-4BFA-8D15-51827D5F8FA3}"/>
+                <a16:creationId xmlns:a16="http://schemas.microsoft.com/office/drawing/2014/main" id="{3FEDA017-9AA4-42D8-86D5-2568358CF67B}"/>
               </a:ext>
             </a:extLst>
           </p:cNvPr>
@@ -6677,15 +6734,33 @@
             <p:ph type="title"/>
           </p:nvPr>
         </p:nvSpPr>
-        <p:spPr/>
+        <p:spPr>
+          <a:xfrm>
+            <a:off x="862518" y="188068"/>
+            <a:ext cx="6347713" cy="1320800"/>
+          </a:xfrm>
+        </p:spPr>
         <p:txBody>
           <a:bodyPr/>
           <a:lstStyle/>
           <a:p>
             <a:r>
-              <a:rPr lang="de-AT" dirty="0"/>
-              <a:t>Innovation und Technologie</a:t>
-            </a:r>
+              <a:rPr lang="en-US" dirty="0" err="1"/>
+              <a:t>Leonore</a:t>
+            </a:r>
+            <a:r>
+              <a:rPr lang="en-US" dirty="0"/>
+              <a:t> </a:t>
+            </a:r>
+            <a:r>
+              <a:rPr lang="en-US" dirty="0" err="1"/>
+              <a:t>Gewessler</a:t>
+            </a:r>
+            <a:r>
+              <a:rPr lang="en-US" dirty="0"/>
+              <a:t>, BA </a:t>
+            </a:r>
+            <a:endParaRPr lang="de-AT" dirty="0"/>
           </a:p>
         </p:txBody>
       </p:sp>
@@ -6694,7 +6769,7 @@
           <p:cNvPr id="3" name="Content Placeholder 2">
             <a:extLst>
               <a:ext uri="{FF2B5EF4-FFF2-40B4-BE49-F238E27FC236}">
-                <a16:creationId xmlns:a16="http://schemas.microsoft.com/office/drawing/2014/main" id="{F460BD26-7111-4DD8-BDAB-A64331568220}"/>
+                <a16:creationId xmlns:a16="http://schemas.microsoft.com/office/drawing/2014/main" id="{4C606C83-83DF-4C12-BCD1-53A5D7D383EB}"/>
               </a:ext>
             </a:extLst>
           </p:cNvPr>
@@ -6705,277 +6780,464 @@
             <p:ph idx="1"/>
           </p:nvPr>
         </p:nvSpPr>
-        <p:spPr/>
-        <p:txBody>
-          <a:bodyPr/>
+        <p:spPr>
+          <a:xfrm>
+            <a:off x="233462" y="1316758"/>
+            <a:ext cx="6723850" cy="4931642"/>
+          </a:xfrm>
+        </p:spPr>
+        <p:txBody>
+          <a:bodyPr>
+            <a:normAutofit fontScale="70000" lnSpcReduction="20000"/>
+          </a:bodyPr>
           <a:lstStyle/>
           <a:p>
-            <a:endParaRPr lang="de-AT"/>
-          </a:p>
-        </p:txBody>
-      </p:sp>
+            <a:r>
+              <a:rPr lang="de-AT" b="1" i="0" dirty="0">
+                <a:solidFill>
+                  <a:schemeClr val="tx1"/>
+                </a:solidFill>
+                <a:effectLst/>
+                <a:latin typeface="helvetica" panose="020B0604020202020204" pitchFamily="34" charset="0"/>
+              </a:rPr>
+              <a:t>Geb.:</a:t>
+            </a:r>
+            <a:r>
+              <a:rPr lang="de-AT" b="0" i="0" dirty="0">
+                <a:solidFill>
+                  <a:schemeClr val="tx1"/>
+                </a:solidFill>
+                <a:effectLst/>
+                <a:latin typeface="helvetica" panose="020B0604020202020204" pitchFamily="34" charset="0"/>
+              </a:rPr>
+              <a:t> 15.09.1977, Graz</a:t>
+            </a:r>
+          </a:p>
+          <a:p>
+            <a:pPr algn="l"/>
+            <a:r>
+              <a:rPr lang="de-DE" b="1" i="0" dirty="0">
+                <a:solidFill>
+                  <a:schemeClr val="tx1"/>
+                </a:solidFill>
+                <a:effectLst/>
+                <a:latin typeface="helvetica" panose="020B0604020202020204" pitchFamily="34" charset="0"/>
+              </a:rPr>
+              <a:t>Politische Mandate</a:t>
+            </a:r>
+          </a:p>
+          <a:p>
+            <a:pPr lvl="1">
+              <a:buFont typeface="Arial" panose="020B0604020202020204" pitchFamily="34" charset="0"/>
+              <a:buChar char="•"/>
+            </a:pPr>
+            <a:r>
+              <a:rPr lang="de-DE" b="0" i="0" dirty="0">
+                <a:solidFill>
+                  <a:schemeClr val="tx1"/>
+                </a:solidFill>
+                <a:effectLst/>
+                <a:latin typeface="helvetica" panose="020B0604020202020204" pitchFamily="34" charset="0"/>
+              </a:rPr>
+              <a:t>Abgeordnete zum Nationalrat, GRÜNE</a:t>
+            </a:r>
+            <a:br>
+              <a:rPr lang="de-DE" b="0" i="0" dirty="0">
+                <a:solidFill>
+                  <a:schemeClr val="tx1"/>
+                </a:solidFill>
+                <a:effectLst/>
+                <a:latin typeface="helvetica" panose="020B0604020202020204" pitchFamily="34" charset="0"/>
+              </a:rPr>
+            </a:br>
+            <a:r>
+              <a:rPr lang="de-DE" b="0" i="0" dirty="0">
+                <a:solidFill>
+                  <a:schemeClr val="tx1"/>
+                </a:solidFill>
+                <a:effectLst/>
+                <a:latin typeface="helvetica" panose="020B0604020202020204" pitchFamily="34" charset="0"/>
+              </a:rPr>
+              <a:t>23.10.2019 – 07.01.2020</a:t>
+            </a:r>
+          </a:p>
+          <a:p>
+            <a:pPr lvl="1">
+              <a:buFont typeface="Arial" panose="020B0604020202020204" pitchFamily="34" charset="0"/>
+              <a:buChar char="•"/>
+            </a:pPr>
+            <a:r>
+              <a:rPr lang="de-DE" b="0" i="0" dirty="0">
+                <a:solidFill>
+                  <a:schemeClr val="tx1"/>
+                </a:solidFill>
+                <a:effectLst/>
+                <a:latin typeface="helvetica" panose="020B0604020202020204" pitchFamily="34" charset="0"/>
+              </a:rPr>
+              <a:t>Bundesministerin für Klimaschutz, Umwelt, Energie, Mobilität, Innovation und Technologie</a:t>
+            </a:r>
+            <a:br>
+              <a:rPr lang="de-DE" b="0" i="0" dirty="0">
+                <a:solidFill>
+                  <a:schemeClr val="tx1"/>
+                </a:solidFill>
+                <a:effectLst/>
+                <a:latin typeface="helvetica" panose="020B0604020202020204" pitchFamily="34" charset="0"/>
+              </a:rPr>
+            </a:br>
+            <a:r>
+              <a:rPr lang="de-DE" b="0" i="0" dirty="0">
+                <a:solidFill>
+                  <a:schemeClr val="tx1"/>
+                </a:solidFill>
+                <a:effectLst/>
+                <a:latin typeface="helvetica" panose="020B0604020202020204" pitchFamily="34" charset="0"/>
+              </a:rPr>
+              <a:t>29.01.2020 –</a:t>
+            </a:r>
+          </a:p>
+          <a:p>
+            <a:pPr lvl="1">
+              <a:buFont typeface="Arial" panose="020B0604020202020204" pitchFamily="34" charset="0"/>
+              <a:buChar char="•"/>
+            </a:pPr>
+            <a:r>
+              <a:rPr lang="de-DE" b="0" i="0" dirty="0">
+                <a:solidFill>
+                  <a:schemeClr val="tx1"/>
+                </a:solidFill>
+                <a:effectLst/>
+                <a:latin typeface="helvetica" panose="020B0604020202020204" pitchFamily="34" charset="0"/>
+              </a:rPr>
+              <a:t>Bundesministerin für Verkehr, Innovation und Technologie</a:t>
+            </a:r>
+            <a:br>
+              <a:rPr lang="de-DE" b="0" i="0" dirty="0">
+                <a:solidFill>
+                  <a:schemeClr val="tx1"/>
+                </a:solidFill>
+                <a:effectLst/>
+                <a:latin typeface="helvetica" panose="020B0604020202020204" pitchFamily="34" charset="0"/>
+              </a:rPr>
+            </a:br>
+            <a:r>
+              <a:rPr lang="de-DE" b="0" i="0" dirty="0">
+                <a:solidFill>
+                  <a:schemeClr val="tx1"/>
+                </a:solidFill>
+                <a:effectLst/>
+                <a:latin typeface="helvetica" panose="020B0604020202020204" pitchFamily="34" charset="0"/>
+              </a:rPr>
+              <a:t>07.01.2020 – 29.01.2020</a:t>
+            </a:r>
+          </a:p>
+          <a:p>
+            <a:pPr algn="l"/>
+            <a:r>
+              <a:rPr lang="de-DE" b="1" i="0" dirty="0">
+                <a:solidFill>
+                  <a:schemeClr val="tx1"/>
+                </a:solidFill>
+                <a:effectLst/>
+                <a:latin typeface="helvetica" panose="020B0604020202020204" pitchFamily="34" charset="0"/>
+              </a:rPr>
+              <a:t>Politische Funktionen</a:t>
+            </a:r>
+          </a:p>
+          <a:p>
+            <a:pPr lvl="1">
+              <a:buFont typeface="Arial" panose="020B0604020202020204" pitchFamily="34" charset="0"/>
+              <a:buChar char="•"/>
+            </a:pPr>
+            <a:r>
+              <a:rPr lang="de-DE" b="0" i="0" dirty="0">
+                <a:solidFill>
+                  <a:schemeClr val="tx1"/>
+                </a:solidFill>
+                <a:effectLst/>
+                <a:latin typeface="helvetica" panose="020B0604020202020204" pitchFamily="34" charset="0"/>
+              </a:rPr>
+              <a:t>Stellvertretende Klubobfrau des Grünen Klubs im Parlament - Klub der Grünen Abgeordneten zum Nationalrat, Bundesrat und Europäischen Parlament 22.10.2019–6.1.2020</a:t>
+            </a:r>
+          </a:p>
+          <a:p>
+            <a:pPr lvl="1">
+              <a:buFont typeface="Arial" panose="020B0604020202020204" pitchFamily="34" charset="0"/>
+              <a:buChar char="•"/>
+            </a:pPr>
+            <a:r>
+              <a:rPr lang="de-DE" b="0" i="0" dirty="0">
+                <a:solidFill>
+                  <a:schemeClr val="tx1"/>
+                </a:solidFill>
+                <a:effectLst/>
+                <a:latin typeface="helvetica" panose="020B0604020202020204" pitchFamily="34" charset="0"/>
+              </a:rPr>
+              <a:t>Mitglied des Beirats in der Grünen Bildungswerkstatt</a:t>
+            </a:r>
+          </a:p>
+          <a:p>
+            <a:pPr algn="l"/>
+            <a:r>
+              <a:rPr lang="de-DE" b="1" i="0" dirty="0">
+                <a:solidFill>
+                  <a:schemeClr val="tx1"/>
+                </a:solidFill>
+                <a:effectLst/>
+                <a:latin typeface="helvetica" panose="020B0604020202020204" pitchFamily="34" charset="0"/>
+              </a:rPr>
+              <a:t>Beruflicher Werdegang</a:t>
+            </a:r>
+          </a:p>
+          <a:p>
+            <a:pPr lvl="1">
+              <a:buFont typeface="Arial" panose="020B0604020202020204" pitchFamily="34" charset="0"/>
+              <a:buChar char="•"/>
+            </a:pPr>
+            <a:r>
+              <a:rPr lang="de-DE" b="0" i="0" dirty="0">
+                <a:solidFill>
+                  <a:schemeClr val="tx1"/>
+                </a:solidFill>
+                <a:effectLst/>
+                <a:latin typeface="helvetica" panose="020B0604020202020204" pitchFamily="34" charset="0"/>
+              </a:rPr>
+              <a:t>Geschäftsführerin, Umweltschutzorganisation GLOBAL 2000 2014–2019</a:t>
+            </a:r>
+          </a:p>
+          <a:p>
+            <a:pPr lvl="1">
+              <a:buFont typeface="Arial" panose="020B0604020202020204" pitchFamily="34" charset="0"/>
+              <a:buChar char="•"/>
+            </a:pPr>
+            <a:r>
+              <a:rPr lang="de-DE" b="0" i="0" dirty="0" err="1">
+                <a:solidFill>
+                  <a:schemeClr val="tx1"/>
+                </a:solidFill>
+                <a:effectLst/>
+                <a:latin typeface="helvetica" panose="020B0604020202020204" pitchFamily="34" charset="0"/>
+              </a:rPr>
+              <a:t>Director</a:t>
+            </a:r>
+            <a:r>
+              <a:rPr lang="de-DE" b="0" i="0" dirty="0">
+                <a:solidFill>
+                  <a:schemeClr val="tx1"/>
+                </a:solidFill>
+                <a:effectLst/>
+                <a:latin typeface="helvetica" panose="020B0604020202020204" pitchFamily="34" charset="0"/>
+              </a:rPr>
+              <a:t>, Green European </a:t>
+            </a:r>
+            <a:r>
+              <a:rPr lang="de-DE" b="0" i="0" dirty="0" err="1">
+                <a:solidFill>
+                  <a:schemeClr val="tx1"/>
+                </a:solidFill>
+                <a:effectLst/>
+                <a:latin typeface="helvetica" panose="020B0604020202020204" pitchFamily="34" charset="0"/>
+              </a:rPr>
+              <a:t>Foundation</a:t>
+            </a:r>
+            <a:r>
+              <a:rPr lang="de-DE" b="0" i="0" dirty="0">
+                <a:solidFill>
+                  <a:schemeClr val="tx1"/>
+                </a:solidFill>
+                <a:effectLst/>
+                <a:latin typeface="helvetica" panose="020B0604020202020204" pitchFamily="34" charset="0"/>
+              </a:rPr>
+              <a:t> </a:t>
+            </a:r>
+            <a:r>
+              <a:rPr lang="de-DE" b="0" i="0" dirty="0" err="1">
+                <a:solidFill>
+                  <a:schemeClr val="tx1"/>
+                </a:solidFill>
+                <a:effectLst/>
+                <a:latin typeface="helvetica" panose="020B0604020202020204" pitchFamily="34" charset="0"/>
+              </a:rPr>
+              <a:t>asbl</a:t>
+            </a:r>
+            <a:r>
+              <a:rPr lang="de-DE" b="0" i="0" dirty="0">
+                <a:solidFill>
+                  <a:schemeClr val="tx1"/>
+                </a:solidFill>
+                <a:effectLst/>
+                <a:latin typeface="helvetica" panose="020B0604020202020204" pitchFamily="34" charset="0"/>
+              </a:rPr>
+              <a:t> Brüssel, Belgien 2008–2014</a:t>
+            </a:r>
+          </a:p>
+          <a:p>
+            <a:pPr lvl="1">
+              <a:buFont typeface="Arial" panose="020B0604020202020204" pitchFamily="34" charset="0"/>
+              <a:buChar char="•"/>
+            </a:pPr>
+            <a:r>
+              <a:rPr lang="de-DE" b="0" i="0" dirty="0">
+                <a:solidFill>
+                  <a:schemeClr val="tx1"/>
+                </a:solidFill>
+                <a:effectLst/>
+                <a:latin typeface="helvetica" panose="020B0604020202020204" pitchFamily="34" charset="0"/>
+              </a:rPr>
+              <a:t>Leitung, Büro der </a:t>
+            </a:r>
+            <a:r>
+              <a:rPr lang="de-DE" b="0" i="0" dirty="0" err="1">
+                <a:solidFill>
+                  <a:schemeClr val="tx1"/>
+                </a:solidFill>
+                <a:effectLst/>
+                <a:latin typeface="helvetica" panose="020B0604020202020204" pitchFamily="34" charset="0"/>
+              </a:rPr>
+              <a:t>Bezirksvorstehung</a:t>
+            </a:r>
+            <a:r>
+              <a:rPr lang="de-DE" b="0" i="0" dirty="0">
+                <a:solidFill>
+                  <a:schemeClr val="tx1"/>
+                </a:solidFill>
+                <a:effectLst/>
+                <a:latin typeface="helvetica" panose="020B0604020202020204" pitchFamily="34" charset="0"/>
+              </a:rPr>
+              <a:t> Wien-Neubau, Stadt Wien 2006–2008</a:t>
+            </a:r>
+          </a:p>
+          <a:p>
+            <a:pPr algn="l"/>
+            <a:r>
+              <a:rPr lang="de-DE" b="1" i="0" dirty="0">
+                <a:solidFill>
+                  <a:schemeClr val="tx1"/>
+                </a:solidFill>
+                <a:effectLst/>
+                <a:latin typeface="helvetica" panose="020B0604020202020204" pitchFamily="34" charset="0"/>
+              </a:rPr>
+              <a:t>Bildungsweg</a:t>
+            </a:r>
+          </a:p>
+          <a:p>
+            <a:pPr lvl="1">
+              <a:buFont typeface="Arial" panose="020B0604020202020204" pitchFamily="34" charset="0"/>
+              <a:buChar char="•"/>
+            </a:pPr>
+            <a:r>
+              <a:rPr lang="de-DE" b="0" i="0" dirty="0">
+                <a:solidFill>
+                  <a:schemeClr val="tx1"/>
+                </a:solidFill>
+                <a:effectLst/>
+                <a:latin typeface="helvetica" panose="020B0604020202020204" pitchFamily="34" charset="0"/>
+              </a:rPr>
+              <a:t>Bachelorstudium der Politikwissenschaften an der Universität Wien (BA)</a:t>
+            </a:r>
+          </a:p>
+          <a:p>
+            <a:pPr lvl="1">
+              <a:buFont typeface="Arial" panose="020B0604020202020204" pitchFamily="34" charset="0"/>
+              <a:buChar char="•"/>
+            </a:pPr>
+            <a:r>
+              <a:rPr lang="de-DE" b="0" i="0" dirty="0" err="1">
+                <a:solidFill>
+                  <a:schemeClr val="tx1"/>
+                </a:solidFill>
+                <a:effectLst/>
+                <a:latin typeface="helvetica" panose="020B0604020202020204" pitchFamily="34" charset="0"/>
+              </a:rPr>
+              <a:t>Wirtschaftskundliches</a:t>
+            </a:r>
+            <a:r>
+              <a:rPr lang="de-DE" b="0" i="0" dirty="0">
+                <a:solidFill>
+                  <a:schemeClr val="tx1"/>
+                </a:solidFill>
+                <a:effectLst/>
+                <a:latin typeface="helvetica" panose="020B0604020202020204" pitchFamily="34" charset="0"/>
+              </a:rPr>
+              <a:t> Realgymnasium WIKU BRG Graz Sandgasse</a:t>
+            </a:r>
+          </a:p>
+          <a:p>
+            <a:pPr lvl="1">
+              <a:buFont typeface="Arial" panose="020B0604020202020204" pitchFamily="34" charset="0"/>
+              <a:buChar char="•"/>
+            </a:pPr>
+            <a:r>
+              <a:rPr lang="de-DE" b="0" i="0" dirty="0">
+                <a:solidFill>
+                  <a:schemeClr val="tx1"/>
+                </a:solidFill>
+                <a:effectLst/>
+                <a:latin typeface="helvetica" panose="020B0604020202020204" pitchFamily="34" charset="0"/>
+              </a:rPr>
+              <a:t>Volksschule St. Marein bei Graz</a:t>
+            </a:r>
+          </a:p>
+          <a:p>
+            <a:endParaRPr lang="de-AT" dirty="0">
+              <a:solidFill>
+                <a:schemeClr val="tx1"/>
+              </a:solidFill>
+            </a:endParaRPr>
+          </a:p>
+        </p:txBody>
+      </p:sp>
+      <p:pic>
+        <p:nvPicPr>
+          <p:cNvPr id="1026" name="Picture 2" descr="Bundesregierung">
+            <a:extLst>
+              <a:ext uri="{FF2B5EF4-FFF2-40B4-BE49-F238E27FC236}">
+                <a16:creationId xmlns:a16="http://schemas.microsoft.com/office/drawing/2014/main" id="{0A1B2828-5355-476F-9ECB-EBC24994038E}"/>
+              </a:ext>
+            </a:extLst>
+          </p:cNvPr>
+          <p:cNvPicPr>
+            <a:picLocks noChangeAspect="1" noChangeArrowheads="1"/>
+          </p:cNvPicPr>
+          <p:nvPr/>
+        </p:nvPicPr>
+        <p:blipFill>
+          <a:blip r:embed="rId2">
+            <a:extLst>
+              <a:ext uri="{28A0092B-C50C-407E-A947-70E740481C1C}">
+                <a14:useLocalDpi xmlns:a14="http://schemas.microsoft.com/office/drawing/2010/main" val="0"/>
+              </a:ext>
+            </a:extLst>
+          </a:blip>
+          <a:srcRect/>
+          <a:stretch>
+            <a:fillRect/>
+          </a:stretch>
+        </p:blipFill>
+        <p:spPr bwMode="auto">
+          <a:xfrm>
+            <a:off x="6734109" y="-71336"/>
+            <a:ext cx="2409891" cy="3365770"/>
+          </a:xfrm>
+          <a:prstGeom prst="rect">
+            <a:avLst/>
+          </a:prstGeom>
+          <a:noFill/>
+          <a:extLst>
+            <a:ext uri="{909E8E84-426E-40DD-AFC4-6F175D3DCCD1}">
+              <a14:hiddenFill xmlns:a14="http://schemas.microsoft.com/office/drawing/2010/main">
+                <a:solidFill>
+                  <a:srgbClr val="FFFFFF"/>
+                </a:solidFill>
+              </a14:hiddenFill>
+            </a:ext>
+          </a:extLst>
+        </p:spPr>
+      </p:pic>
     </p:spTree>
     <p:extLst>
       <p:ext uri="{BB962C8B-B14F-4D97-AF65-F5344CB8AC3E}">
-        <p14:creationId xmlns:p14="http://schemas.microsoft.com/office/powerpoint/2010/main" val="343625934"/>
-      </p:ext>
-    </p:extLst>
-  </p:cSld>
-  <p:clrMapOvr>
-    <a:masterClrMapping/>
-  </p:clrMapOvr>
-</p:sld>
-</file>
-
-<file path=ppt/slides/slide5.xml><?xml version="1.0" encoding="utf-8"?>
-<p:sld xmlns:a="http://schemas.openxmlformats.org/drawingml/2006/main" xmlns:r="http://schemas.openxmlformats.org/officeDocument/2006/relationships" xmlns:p="http://schemas.openxmlformats.org/presentationml/2006/main">
-  <p:cSld>
-    <p:spTree>
-      <p:nvGrpSpPr>
-        <p:cNvPr id="1" name=""/>
-        <p:cNvGrpSpPr/>
-        <p:nvPr/>
-      </p:nvGrpSpPr>
-      <p:grpSpPr>
-        <a:xfrm>
-          <a:off x="0" y="0"/>
-          <a:ext cx="0" cy="0"/>
-          <a:chOff x="0" y="0"/>
-          <a:chExt cx="0" cy="0"/>
-        </a:xfrm>
-      </p:grpSpPr>
-      <p:sp>
-        <p:nvSpPr>
-          <p:cNvPr id="2" name="Title 1">
-            <a:extLst>
-              <a:ext uri="{FF2B5EF4-FFF2-40B4-BE49-F238E27FC236}">
-                <a16:creationId xmlns:a16="http://schemas.microsoft.com/office/drawing/2014/main" id="{918267F1-0448-4A1A-B4A3-648129B00C82}"/>
-              </a:ext>
-            </a:extLst>
-          </p:cNvPr>
-          <p:cNvSpPr>
-            <a:spLocks noGrp="1"/>
-          </p:cNvSpPr>
-          <p:nvPr>
-            <p:ph type="title"/>
-          </p:nvPr>
-        </p:nvSpPr>
-        <p:spPr/>
-        <p:txBody>
-          <a:bodyPr/>
-          <a:lstStyle/>
-          <a:p>
-            <a:r>
-              <a:rPr lang="de-AT" dirty="0"/>
-              <a:t>Verkehr</a:t>
-            </a:r>
-          </a:p>
-        </p:txBody>
-      </p:sp>
-      <p:sp>
-        <p:nvSpPr>
-          <p:cNvPr id="3" name="Content Placeholder 2">
-            <a:extLst>
-              <a:ext uri="{FF2B5EF4-FFF2-40B4-BE49-F238E27FC236}">
-                <a16:creationId xmlns:a16="http://schemas.microsoft.com/office/drawing/2014/main" id="{82AE250A-B486-4F08-A7D7-574C078A6D16}"/>
-              </a:ext>
-            </a:extLst>
-          </p:cNvPr>
-          <p:cNvSpPr>
-            <a:spLocks noGrp="1"/>
-          </p:cNvSpPr>
-          <p:nvPr>
-            <p:ph idx="1"/>
-          </p:nvPr>
-        </p:nvSpPr>
-        <p:spPr/>
-        <p:txBody>
-          <a:bodyPr/>
-          <a:lstStyle/>
-          <a:p>
-            <a:endParaRPr lang="de-AT"/>
-          </a:p>
-        </p:txBody>
-      </p:sp>
-    </p:spTree>
-    <p:extLst>
-      <p:ext uri="{BB962C8B-B14F-4D97-AF65-F5344CB8AC3E}">
-        <p14:creationId xmlns:p14="http://schemas.microsoft.com/office/powerpoint/2010/main" val="1769874994"/>
-      </p:ext>
-    </p:extLst>
-  </p:cSld>
-  <p:clrMapOvr>
-    <a:masterClrMapping/>
-  </p:clrMapOvr>
-</p:sld>
-</file>
-
-<file path=ppt/slides/slide6.xml><?xml version="1.0" encoding="utf-8"?>
-<p:sld xmlns:a="http://schemas.openxmlformats.org/drawingml/2006/main" xmlns:r="http://schemas.openxmlformats.org/officeDocument/2006/relationships" xmlns:p="http://schemas.openxmlformats.org/presentationml/2006/main">
-  <p:cSld>
-    <p:spTree>
-      <p:nvGrpSpPr>
-        <p:cNvPr id="1" name=""/>
-        <p:cNvGrpSpPr/>
-        <p:nvPr/>
-      </p:nvGrpSpPr>
-      <p:grpSpPr>
-        <a:xfrm>
-          <a:off x="0" y="0"/>
-          <a:ext cx="0" cy="0"/>
-          <a:chOff x="0" y="0"/>
-          <a:chExt cx="0" cy="0"/>
-        </a:xfrm>
-      </p:grpSpPr>
-      <p:sp>
-        <p:nvSpPr>
-          <p:cNvPr id="2" name="Title 1">
-            <a:extLst>
-              <a:ext uri="{FF2B5EF4-FFF2-40B4-BE49-F238E27FC236}">
-                <a16:creationId xmlns:a16="http://schemas.microsoft.com/office/drawing/2014/main" id="{3706120A-8602-406D-A410-9A94CDCD45F3}"/>
-              </a:ext>
-            </a:extLst>
-          </p:cNvPr>
-          <p:cNvSpPr>
-            <a:spLocks noGrp="1"/>
-          </p:cNvSpPr>
-          <p:nvPr>
-            <p:ph type="title"/>
-          </p:nvPr>
-        </p:nvSpPr>
-        <p:spPr>
-          <a:xfrm>
-            <a:off x="304799" y="682752"/>
-            <a:ext cx="6830569" cy="1320800"/>
-          </a:xfrm>
-        </p:spPr>
-        <p:txBody>
-          <a:bodyPr/>
-          <a:lstStyle/>
-          <a:p>
-            <a:r>
-              <a:rPr lang="de-AT" dirty="0"/>
-              <a:t>Umwelt und Kreislaufwirtschaft</a:t>
-            </a:r>
-          </a:p>
-        </p:txBody>
-      </p:sp>
-      <p:sp>
-        <p:nvSpPr>
-          <p:cNvPr id="3" name="Content Placeholder 2">
-            <a:extLst>
-              <a:ext uri="{FF2B5EF4-FFF2-40B4-BE49-F238E27FC236}">
-                <a16:creationId xmlns:a16="http://schemas.microsoft.com/office/drawing/2014/main" id="{DC604E49-09DD-4287-8A32-F326DF78C335}"/>
-              </a:ext>
-            </a:extLst>
-          </p:cNvPr>
-          <p:cNvSpPr>
-            <a:spLocks noGrp="1"/>
-          </p:cNvSpPr>
-          <p:nvPr>
-            <p:ph idx="1"/>
-          </p:nvPr>
-        </p:nvSpPr>
-        <p:spPr/>
-        <p:txBody>
-          <a:bodyPr/>
-          <a:lstStyle/>
-          <a:p>
-            <a:endParaRPr lang="de-AT"/>
-          </a:p>
-        </p:txBody>
-      </p:sp>
-    </p:spTree>
-    <p:extLst>
-      <p:ext uri="{BB962C8B-B14F-4D97-AF65-F5344CB8AC3E}">
-        <p14:creationId xmlns:p14="http://schemas.microsoft.com/office/powerpoint/2010/main" val="4084520262"/>
-      </p:ext>
-    </p:extLst>
-  </p:cSld>
-  <p:clrMapOvr>
-    <a:masterClrMapping/>
-  </p:clrMapOvr>
-</p:sld>
-</file>
-
-<file path=ppt/slides/slide7.xml><?xml version="1.0" encoding="utf-8"?>
-<p:sld xmlns:a="http://schemas.openxmlformats.org/drawingml/2006/main" xmlns:r="http://schemas.openxmlformats.org/officeDocument/2006/relationships" xmlns:p="http://schemas.openxmlformats.org/presentationml/2006/main">
-  <p:cSld>
-    <p:spTree>
-      <p:nvGrpSpPr>
-        <p:cNvPr id="1" name=""/>
-        <p:cNvGrpSpPr/>
-        <p:nvPr/>
-      </p:nvGrpSpPr>
-      <p:grpSpPr>
-        <a:xfrm>
-          <a:off x="0" y="0"/>
-          <a:ext cx="0" cy="0"/>
-          <a:chOff x="0" y="0"/>
-          <a:chExt cx="0" cy="0"/>
-        </a:xfrm>
-      </p:grpSpPr>
-      <p:sp>
-        <p:nvSpPr>
-          <p:cNvPr id="2" name="Title 1">
-            <a:extLst>
-              <a:ext uri="{FF2B5EF4-FFF2-40B4-BE49-F238E27FC236}">
-                <a16:creationId xmlns:a16="http://schemas.microsoft.com/office/drawing/2014/main" id="{BACE77BB-B47B-4225-A157-7BA4CECFC92A}"/>
-              </a:ext>
-            </a:extLst>
-          </p:cNvPr>
-          <p:cNvSpPr>
-            <a:spLocks noGrp="1"/>
-          </p:cNvSpPr>
-          <p:nvPr>
-            <p:ph type="title"/>
-          </p:nvPr>
-        </p:nvSpPr>
-        <p:spPr/>
-        <p:txBody>
-          <a:bodyPr/>
-          <a:lstStyle/>
-          <a:p>
-            <a:r>
-              <a:rPr lang="de-AT" dirty="0"/>
-              <a:t>Klima </a:t>
-            </a:r>
-            <a:r>
-              <a:rPr lang="de-AT"/>
-              <a:t>und Energie</a:t>
-            </a:r>
-          </a:p>
-        </p:txBody>
-      </p:sp>
-      <p:sp>
-        <p:nvSpPr>
-          <p:cNvPr id="3" name="Content Placeholder 2">
-            <a:extLst>
-              <a:ext uri="{FF2B5EF4-FFF2-40B4-BE49-F238E27FC236}">
-                <a16:creationId xmlns:a16="http://schemas.microsoft.com/office/drawing/2014/main" id="{A24B2780-71DB-4B0C-A35A-D3DAE55ACA21}"/>
-              </a:ext>
-            </a:extLst>
-          </p:cNvPr>
-          <p:cNvSpPr>
-            <a:spLocks noGrp="1"/>
-          </p:cNvSpPr>
-          <p:nvPr>
-            <p:ph idx="1"/>
-          </p:nvPr>
-        </p:nvSpPr>
-        <p:spPr/>
-        <p:txBody>
-          <a:bodyPr/>
-          <a:lstStyle/>
-          <a:p>
-            <a:endParaRPr lang="de-AT"/>
-          </a:p>
-        </p:txBody>
-      </p:sp>
-    </p:spTree>
-    <p:extLst>
-      <p:ext uri="{BB962C8B-B14F-4D97-AF65-F5344CB8AC3E}">
-        <p14:creationId xmlns:p14="http://schemas.microsoft.com/office/powerpoint/2010/main" val="2397710466"/>
+        <p14:creationId xmlns:p14="http://schemas.microsoft.com/office/powerpoint/2010/main" val="793953204"/>
       </p:ext>
     </p:extLst>
   </p:cSld>
@@ -7504,21 +7766,6 @@
 </file>
 
 <file path=customXml/item1.xml><?xml version="1.0" encoding="utf-8"?>
-<p:properties xmlns:p="http://schemas.microsoft.com/office/2006/metadata/properties" xmlns:xsi="http://www.w3.org/2001/XMLSchema-instance" xmlns:pc="http://schemas.microsoft.com/office/infopath/2007/PartnerControls">
-  <documentManagement/>
-</p:properties>
-</file>
-
-<file path=customXml/item2.xml><?xml version="1.0" encoding="utf-8"?>
-<?mso-contentType ?>
-<FormTemplates xmlns="http://schemas.microsoft.com/sharepoint/v3/contenttype/forms">
-  <Display>DocumentLibraryForm</Display>
-  <Edit>DocumentLibraryForm</Edit>
-  <New>DocumentLibraryForm</New>
-</FormTemplates>
-</file>
-
-<file path=customXml/item3.xml><?xml version="1.0" encoding="utf-8"?>
 <ct:contentTypeSchema xmlns:ct="http://schemas.microsoft.com/office/2006/metadata/contentType" xmlns:ma="http://schemas.microsoft.com/office/2006/metadata/properties/metaAttributes" ct:_="" ma:_="" ma:contentTypeName="Dokument" ma:contentTypeID="0x010100A3EB90D28978BB4BB836F5C7972CA229" ma:contentTypeVersion="2" ma:contentTypeDescription="Ein neues Dokument erstellen." ma:contentTypeScope="" ma:versionID="a49f1a418e2bed2d18dd32d273f0c013">
   <xsd:schema xmlns:xsd="http://www.w3.org/2001/XMLSchema" xmlns:xs="http://www.w3.org/2001/XMLSchema" xmlns:p="http://schemas.microsoft.com/office/2006/metadata/properties" xmlns:ns2="04576c97-eeb5-4556-a191-247401faf2b4" targetNamespace="http://schemas.microsoft.com/office/2006/metadata/properties" ma:root="true" ma:fieldsID="c0d35978076f3e569c5b4046f65c900c" ns2:_="">
     <xsd:import namespace="04576c97-eeb5-4556-a191-247401faf2b4"/>
@@ -7666,24 +7913,22 @@
 </ct:contentTypeSchema>
 </file>
 
-<file path=customXml/itemProps1.xml><?xml version="1.0" encoding="utf-8"?>
-<ds:datastoreItem xmlns:ds="http://schemas.openxmlformats.org/officeDocument/2006/customXml" ds:itemID="{EF9DFCB3-5E7D-4C23-B50A-13D25372289D}">
-  <ds:schemaRefs>
-    <ds:schemaRef ds:uri="http://schemas.microsoft.com/office/2006/metadata/properties"/>
-    <ds:schemaRef ds:uri="http://schemas.microsoft.com/office/infopath/2007/PartnerControls"/>
-  </ds:schemaRefs>
-</ds:datastoreItem>
+<file path=customXml/item2.xml><?xml version="1.0" encoding="utf-8"?>
+<?mso-contentType ?>
+<FormTemplates xmlns="http://schemas.microsoft.com/sharepoint/v3/contenttype/forms">
+  <Display>DocumentLibraryForm</Display>
+  <Edit>DocumentLibraryForm</Edit>
+  <New>DocumentLibraryForm</New>
+</FormTemplates>
 </file>
 
-<file path=customXml/itemProps2.xml><?xml version="1.0" encoding="utf-8"?>
-<ds:datastoreItem xmlns:ds="http://schemas.openxmlformats.org/officeDocument/2006/customXml" ds:itemID="{CF893B7D-10ED-47F4-9319-100DDF84E904}">
-  <ds:schemaRefs>
-    <ds:schemaRef ds:uri="http://schemas.microsoft.com/sharepoint/v3/contenttype/forms"/>
-  </ds:schemaRefs>
-</ds:datastoreItem>
+<file path=customXml/item3.xml><?xml version="1.0" encoding="utf-8"?>
+<p:properties xmlns:p="http://schemas.microsoft.com/office/2006/metadata/properties" xmlns:xsi="http://www.w3.org/2001/XMLSchema-instance" xmlns:pc="http://schemas.microsoft.com/office/infopath/2007/PartnerControls">
+  <documentManagement/>
+</p:properties>
 </file>
 
-<file path=customXml/itemProps3.xml><?xml version="1.0" encoding="utf-8"?>
+<file path=customXml/itemProps1.xml><?xml version="1.0" encoding="utf-8"?>
 <ds:datastoreItem xmlns:ds="http://schemas.openxmlformats.org/officeDocument/2006/customXml" ds:itemID="{C751EFC2-C3F9-4CE7-8031-ACE70A6B0B29}">
   <ds:schemaRefs>
     <ds:schemaRef ds:uri="http://schemas.microsoft.com/office/2006/metadata/contentType"/>
@@ -7699,4 +7944,21 @@
     <ds:schemaRef ds:uri="http://schemas.microsoft.com/internal/obd"/>
   </ds:schemaRefs>
 </ds:datastoreItem>
+</file>
+
+<file path=customXml/itemProps2.xml><?xml version="1.0" encoding="utf-8"?>
+<ds:datastoreItem xmlns:ds="http://schemas.openxmlformats.org/officeDocument/2006/customXml" ds:itemID="{CF893B7D-10ED-47F4-9319-100DDF84E904}">
+  <ds:schemaRefs>
+    <ds:schemaRef ds:uri="http://schemas.microsoft.com/sharepoint/v3/contenttype/forms"/>
+  </ds:schemaRefs>
+</ds:datastoreItem>
+</file>
+
+<file path=customXml/itemProps3.xml><?xml version="1.0" encoding="utf-8"?>
+<ds:datastoreItem xmlns:ds="http://schemas.openxmlformats.org/officeDocument/2006/customXml" ds:itemID="{EF9DFCB3-5E7D-4C23-B50A-13D25372289D}">
+  <ds:schemaRefs>
+    <ds:schemaRef ds:uri="http://schemas.microsoft.com/office/2006/metadata/properties"/>
+    <ds:schemaRef ds:uri="http://schemas.microsoft.com/office/infopath/2007/PartnerControls"/>
+  </ds:schemaRefs>
+</ds:datastoreItem>
 </file>
--- a/PB/Projektarbeit Bundesregierung 2022/Arbeitsauftrag, Vorlagen/3.11_Vorlage Präsentation Bundesministerien.pptx
+++ b/PB/Projektarbeit Bundesregierung 2022/Arbeitsauftrag, Vorlagen/3.11_Vorlage Präsentation Bundesministerien.pptx
@@ -6545,47 +6545,200 @@
         <p:spPr>
           <a:xfrm>
             <a:off x="389105" y="1012726"/>
-            <a:ext cx="6347714" cy="3880773"/>
+            <a:ext cx="6347714" cy="4739563"/>
           </a:xfrm>
         </p:spPr>
         <p:txBody>
-          <a:bodyPr/>
+          <a:bodyPr>
+            <a:normAutofit fontScale="85000" lnSpcReduction="10000"/>
+          </a:bodyPr>
           <a:lstStyle/>
           <a:p>
             <a:r>
-              <a:rPr lang="de-AT" dirty="0"/>
+              <a:rPr lang="de-AT" dirty="0">
+                <a:solidFill>
+                  <a:schemeClr val="tx1"/>
+                </a:solidFill>
+              </a:rPr>
               <a:t>Präsidium und Internationale Angelegenheiten</a:t>
             </a:r>
           </a:p>
           <a:p>
             <a:r>
-              <a:rPr lang="de-AT" dirty="0"/>
+              <a:rPr lang="de-AT" dirty="0">
+                <a:solidFill>
+                  <a:schemeClr val="tx1"/>
+                </a:solidFill>
+              </a:rPr>
               <a:t>Mobilität</a:t>
             </a:r>
           </a:p>
           <a:p>
             <a:r>
-              <a:rPr lang="de-AT" dirty="0"/>
+              <a:rPr lang="de-AT" dirty="0">
+                <a:solidFill>
+                  <a:schemeClr val="tx1"/>
+                </a:solidFill>
+              </a:rPr>
               <a:t>Innovation und Technologie</a:t>
             </a:r>
           </a:p>
           <a:p>
             <a:r>
-              <a:rPr lang="de-AT" dirty="0"/>
+              <a:rPr lang="de-AT" dirty="0">
+                <a:solidFill>
+                  <a:schemeClr val="tx1"/>
+                </a:solidFill>
+              </a:rPr>
               <a:t>Verkehr</a:t>
             </a:r>
           </a:p>
           <a:p>
             <a:r>
-              <a:rPr lang="de-AT" dirty="0"/>
+              <a:rPr lang="de-AT" dirty="0">
+                <a:solidFill>
+                  <a:schemeClr val="tx1"/>
+                </a:solidFill>
+              </a:rPr>
               <a:t>Umwelt und Kreislaufwirtschaft</a:t>
             </a:r>
           </a:p>
           <a:p>
             <a:r>
-              <a:rPr lang="de-AT" dirty="0"/>
-              <a:t>Klima und Energie</a:t>
-            </a:r>
+              <a:rPr lang="de-AT" dirty="0">
+                <a:solidFill>
+                  <a:schemeClr val="tx1"/>
+                </a:solidFill>
+              </a:rPr>
+              <a:t>Klima und </a:t>
+            </a:r>
+            <a:r>
+              <a:rPr lang="de-AT" dirty="0" err="1">
+                <a:solidFill>
+                  <a:schemeClr val="tx1"/>
+                </a:solidFill>
+              </a:rPr>
+              <a:t>Energi</a:t>
+            </a:r>
+            <a:endParaRPr lang="de-AT" dirty="0">
+              <a:solidFill>
+                <a:schemeClr val="tx1"/>
+              </a:solidFill>
+            </a:endParaRPr>
+          </a:p>
+          <a:p>
+            <a:endParaRPr lang="de-AT" dirty="0"/>
+          </a:p>
+          <a:p>
+            <a:r>
+              <a:rPr lang="de-DE" b="0" i="0" dirty="0">
+                <a:solidFill>
+                  <a:schemeClr val="tx1"/>
+                </a:solidFill>
+                <a:effectLst/>
+                <a:latin typeface="arial" panose="020B0604020202020204" pitchFamily="34" charset="0"/>
+              </a:rPr>
+              <a:t>Das </a:t>
+            </a:r>
+            <a:r>
+              <a:rPr lang="de-DE" b="1" i="0" dirty="0">
+                <a:solidFill>
+                  <a:schemeClr val="tx1"/>
+                </a:solidFill>
+                <a:effectLst/>
+                <a:latin typeface="arial" panose="020B0604020202020204" pitchFamily="34" charset="0"/>
+              </a:rPr>
+              <a:t>BMK</a:t>
+            </a:r>
+            <a:r>
+              <a:rPr lang="de-DE" b="0" i="0" dirty="0">
+                <a:solidFill>
+                  <a:schemeClr val="tx1"/>
+                </a:solidFill>
+                <a:effectLst/>
+                <a:latin typeface="arial" panose="020B0604020202020204" pitchFamily="34" charset="0"/>
+              </a:rPr>
+              <a:t> beherbergt und regelt eine große Bandbreite an wichtigen und zukunftsträchtigen Themenbereichen wie</a:t>
+            </a:r>
+          </a:p>
+          <a:p>
+            <a:pPr lvl="1"/>
+            <a:r>
+              <a:rPr lang="de-AT" b="0" i="0" dirty="0">
+                <a:solidFill>
+                  <a:schemeClr val="tx1"/>
+                </a:solidFill>
+                <a:effectLst/>
+                <a:latin typeface="Source Sans Pro" panose="020B0604020202020204" pitchFamily="34" charset="0"/>
+              </a:rPr>
+              <a:t>Klimafreundliche Politik und Wirtschaft</a:t>
+            </a:r>
+          </a:p>
+          <a:p>
+            <a:pPr lvl="1"/>
+            <a:r>
+              <a:rPr lang="de-DE" b="0" i="0" dirty="0">
+                <a:solidFill>
+                  <a:schemeClr val="tx1"/>
+                </a:solidFill>
+                <a:effectLst/>
+                <a:latin typeface="Source Sans Pro" panose="020B0503030403020204" pitchFamily="34" charset="0"/>
+              </a:rPr>
+              <a:t>Verkehr auf Österreichs Straßen zu Land, Luft, Wasser und der Schiene </a:t>
+            </a:r>
+          </a:p>
+          <a:p>
+            <a:pPr lvl="1"/>
+            <a:r>
+              <a:rPr lang="de-DE" b="0" i="0" dirty="0">
+                <a:solidFill>
+                  <a:schemeClr val="tx1"/>
+                </a:solidFill>
+                <a:effectLst/>
+                <a:latin typeface="Source Sans Pro" panose="020B0503030403020204" pitchFamily="34" charset="0"/>
+              </a:rPr>
+              <a:t>Energieversorgung sichergestellt</a:t>
+            </a:r>
+          </a:p>
+          <a:p>
+            <a:pPr lvl="1"/>
+            <a:r>
+              <a:rPr lang="de-DE" b="0" i="0" dirty="0">
+                <a:solidFill>
+                  <a:schemeClr val="tx1"/>
+                </a:solidFill>
+                <a:effectLst/>
+                <a:latin typeface="Source Sans Pro" panose="020B0503030403020204" pitchFamily="34" charset="0"/>
+              </a:rPr>
+              <a:t>die Erforschung und Bereitstellung innovativer Technologien „Made in Austria“</a:t>
+            </a:r>
+          </a:p>
+          <a:p>
+            <a:pPr lvl="1"/>
+            <a:r>
+              <a:rPr lang="de-DE" dirty="0">
+                <a:solidFill>
+                  <a:schemeClr val="tx1"/>
+                </a:solidFill>
+                <a:latin typeface="Source Sans Pro" panose="020B0503030403020204" pitchFamily="34" charset="0"/>
+              </a:rPr>
+              <a:t>Die </a:t>
+            </a:r>
+            <a:r>
+              <a:rPr lang="de-DE" b="0" i="0" dirty="0">
+                <a:solidFill>
+                  <a:schemeClr val="tx1"/>
+                </a:solidFill>
+                <a:effectLst/>
+                <a:latin typeface="Source Sans Pro" panose="020B0503030403020204" pitchFamily="34" charset="0"/>
+              </a:rPr>
+              <a:t>Mobilität der Zukunft</a:t>
+            </a:r>
+            <a:endParaRPr lang="de-AT" dirty="0">
+              <a:solidFill>
+                <a:schemeClr val="tx1"/>
+              </a:solidFill>
+            </a:endParaRPr>
           </a:p>
         </p:txBody>
       </p:sp>
@@ -7766,6 +7919,21 @@
 </file>
 
 <file path=customXml/item1.xml><?xml version="1.0" encoding="utf-8"?>
+<p:properties xmlns:p="http://schemas.microsoft.com/office/2006/metadata/properties" xmlns:xsi="http://www.w3.org/2001/XMLSchema-instance" xmlns:pc="http://schemas.microsoft.com/office/infopath/2007/PartnerControls">
+  <documentManagement/>
+</p:properties>
+</file>
+
+<file path=customXml/item2.xml><?xml version="1.0" encoding="utf-8"?>
+<?mso-contentType ?>
+<FormTemplates xmlns="http://schemas.microsoft.com/sharepoint/v3/contenttype/forms">
+  <Display>DocumentLibraryForm</Display>
+  <Edit>DocumentLibraryForm</Edit>
+  <New>DocumentLibraryForm</New>
+</FormTemplates>
+</file>
+
+<file path=customXml/item3.xml><?xml version="1.0" encoding="utf-8"?>
 <ct:contentTypeSchema xmlns:ct="http://schemas.microsoft.com/office/2006/metadata/contentType" xmlns:ma="http://schemas.microsoft.com/office/2006/metadata/properties/metaAttributes" ct:_="" ma:_="" ma:contentTypeName="Dokument" ma:contentTypeID="0x010100A3EB90D28978BB4BB836F5C7972CA229" ma:contentTypeVersion="2" ma:contentTypeDescription="Ein neues Dokument erstellen." ma:contentTypeScope="" ma:versionID="a49f1a418e2bed2d18dd32d273f0c013">
   <xsd:schema xmlns:xsd="http://www.w3.org/2001/XMLSchema" xmlns:xs="http://www.w3.org/2001/XMLSchema" xmlns:p="http://schemas.microsoft.com/office/2006/metadata/properties" xmlns:ns2="04576c97-eeb5-4556-a191-247401faf2b4" targetNamespace="http://schemas.microsoft.com/office/2006/metadata/properties" ma:root="true" ma:fieldsID="c0d35978076f3e569c5b4046f65c900c" ns2:_="">
     <xsd:import namespace="04576c97-eeb5-4556-a191-247401faf2b4"/>
@@ -7913,22 +8081,24 @@
 </ct:contentTypeSchema>
 </file>
 
-<file path=customXml/item2.xml><?xml version="1.0" encoding="utf-8"?>
-<?mso-contentType ?>
-<FormTemplates xmlns="http://schemas.microsoft.com/sharepoint/v3/contenttype/forms">
-  <Display>DocumentLibraryForm</Display>
-  <Edit>DocumentLibraryForm</Edit>
-  <New>DocumentLibraryForm</New>
-</FormTemplates>
+<file path=customXml/itemProps1.xml><?xml version="1.0" encoding="utf-8"?>
+<ds:datastoreItem xmlns:ds="http://schemas.openxmlformats.org/officeDocument/2006/customXml" ds:itemID="{EF9DFCB3-5E7D-4C23-B50A-13D25372289D}">
+  <ds:schemaRefs>
+    <ds:schemaRef ds:uri="http://schemas.microsoft.com/office/2006/metadata/properties"/>
+    <ds:schemaRef ds:uri="http://schemas.microsoft.com/office/infopath/2007/PartnerControls"/>
+  </ds:schemaRefs>
+</ds:datastoreItem>
 </file>
 
-<file path=customXml/item3.xml><?xml version="1.0" encoding="utf-8"?>
-<p:properties xmlns:p="http://schemas.microsoft.com/office/2006/metadata/properties" xmlns:xsi="http://www.w3.org/2001/XMLSchema-instance" xmlns:pc="http://schemas.microsoft.com/office/infopath/2007/PartnerControls">
-  <documentManagement/>
-</p:properties>
+<file path=customXml/itemProps2.xml><?xml version="1.0" encoding="utf-8"?>
+<ds:datastoreItem xmlns:ds="http://schemas.openxmlformats.org/officeDocument/2006/customXml" ds:itemID="{CF893B7D-10ED-47F4-9319-100DDF84E904}">
+  <ds:schemaRefs>
+    <ds:schemaRef ds:uri="http://schemas.microsoft.com/sharepoint/v3/contenttype/forms"/>
+  </ds:schemaRefs>
+</ds:datastoreItem>
 </file>
 
-<file path=customXml/itemProps1.xml><?xml version="1.0" encoding="utf-8"?>
+<file path=customXml/itemProps3.xml><?xml version="1.0" encoding="utf-8"?>
 <ds:datastoreItem xmlns:ds="http://schemas.openxmlformats.org/officeDocument/2006/customXml" ds:itemID="{C751EFC2-C3F9-4CE7-8031-ACE70A6B0B29}">
   <ds:schemaRefs>
     <ds:schemaRef ds:uri="http://schemas.microsoft.com/office/2006/metadata/contentType"/>
@@ -7944,21 +8114,4 @@
     <ds:schemaRef ds:uri="http://schemas.microsoft.com/internal/obd"/>
   </ds:schemaRefs>
 </ds:datastoreItem>
-</file>
-
-<file path=customXml/itemProps2.xml><?xml version="1.0" encoding="utf-8"?>
-<ds:datastoreItem xmlns:ds="http://schemas.openxmlformats.org/officeDocument/2006/customXml" ds:itemID="{CF893B7D-10ED-47F4-9319-100DDF84E904}">
-  <ds:schemaRefs>
-    <ds:schemaRef ds:uri="http://schemas.microsoft.com/sharepoint/v3/contenttype/forms"/>
-  </ds:schemaRefs>
-</ds:datastoreItem>
-</file>
-
-<file path=customXml/itemProps3.xml><?xml version="1.0" encoding="utf-8"?>
-<ds:datastoreItem xmlns:ds="http://schemas.openxmlformats.org/officeDocument/2006/customXml" ds:itemID="{EF9DFCB3-5E7D-4C23-B50A-13D25372289D}">
-  <ds:schemaRefs>
-    <ds:schemaRef ds:uri="http://schemas.microsoft.com/office/2006/metadata/properties"/>
-    <ds:schemaRef ds:uri="http://schemas.microsoft.com/office/infopath/2007/PartnerControls"/>
-  </ds:schemaRefs>
-</ds:datastoreItem>
 </file>